--- a/docs/notenapp.pptx
+++ b/docs/notenapp.pptx
@@ -7,6 +7,7 @@
   <p:sldIdLst>
     <p:sldId id="256" r:id="rId2"/>
     <p:sldId id="257" r:id="rId3"/>
+    <p:sldId id="258" r:id="rId4"/>
   </p:sldIdLst>
   <p:sldSz cx="9144000" cy="6858000" type="screen4x3"/>
   <p:notesSz cx="6858000" cy="9144000"/>
@@ -290,7 +291,7 @@
             <a:fld id="{F0B96F50-2E74-4531-A9D7-82F060543DE4}" type="datetimeFigureOut">
               <a:rPr lang="de-DE" smtClean="0"/>
               <a:pPr/>
-              <a:t>03.01.2013</a:t>
+              <a:t>04.01.2013</a:t>
             </a:fld>
             <a:endParaRPr lang="de-DE"/>
           </a:p>
@@ -457,7 +458,7 @@
             <a:fld id="{F0B96F50-2E74-4531-A9D7-82F060543DE4}" type="datetimeFigureOut">
               <a:rPr lang="de-DE" smtClean="0"/>
               <a:pPr/>
-              <a:t>03.01.2013</a:t>
+              <a:t>04.01.2013</a:t>
             </a:fld>
             <a:endParaRPr lang="de-DE"/>
           </a:p>
@@ -634,7 +635,7 @@
             <a:fld id="{F0B96F50-2E74-4531-A9D7-82F060543DE4}" type="datetimeFigureOut">
               <a:rPr lang="de-DE" smtClean="0"/>
               <a:pPr/>
-              <a:t>03.01.2013</a:t>
+              <a:t>04.01.2013</a:t>
             </a:fld>
             <a:endParaRPr lang="de-DE"/>
           </a:p>
@@ -801,7 +802,7 @@
             <a:fld id="{F0B96F50-2E74-4531-A9D7-82F060543DE4}" type="datetimeFigureOut">
               <a:rPr lang="de-DE" smtClean="0"/>
               <a:pPr/>
-              <a:t>03.01.2013</a:t>
+              <a:t>04.01.2013</a:t>
             </a:fld>
             <a:endParaRPr lang="de-DE"/>
           </a:p>
@@ -1044,7 +1045,7 @@
             <a:fld id="{F0B96F50-2E74-4531-A9D7-82F060543DE4}" type="datetimeFigureOut">
               <a:rPr lang="de-DE" smtClean="0"/>
               <a:pPr/>
-              <a:t>03.01.2013</a:t>
+              <a:t>04.01.2013</a:t>
             </a:fld>
             <a:endParaRPr lang="de-DE"/>
           </a:p>
@@ -1329,7 +1330,7 @@
             <a:fld id="{F0B96F50-2E74-4531-A9D7-82F060543DE4}" type="datetimeFigureOut">
               <a:rPr lang="de-DE" smtClean="0"/>
               <a:pPr/>
-              <a:t>03.01.2013</a:t>
+              <a:t>04.01.2013</a:t>
             </a:fld>
             <a:endParaRPr lang="de-DE"/>
           </a:p>
@@ -1748,7 +1749,7 @@
             <a:fld id="{F0B96F50-2E74-4531-A9D7-82F060543DE4}" type="datetimeFigureOut">
               <a:rPr lang="de-DE" smtClean="0"/>
               <a:pPr/>
-              <a:t>03.01.2013</a:t>
+              <a:t>04.01.2013</a:t>
             </a:fld>
             <a:endParaRPr lang="de-DE"/>
           </a:p>
@@ -1863,7 +1864,7 @@
             <a:fld id="{F0B96F50-2E74-4531-A9D7-82F060543DE4}" type="datetimeFigureOut">
               <a:rPr lang="de-DE" smtClean="0"/>
               <a:pPr/>
-              <a:t>03.01.2013</a:t>
+              <a:t>04.01.2013</a:t>
             </a:fld>
             <a:endParaRPr lang="de-DE"/>
           </a:p>
@@ -1955,7 +1956,7 @@
             <a:fld id="{F0B96F50-2E74-4531-A9D7-82F060543DE4}" type="datetimeFigureOut">
               <a:rPr lang="de-DE" smtClean="0"/>
               <a:pPr/>
-              <a:t>03.01.2013</a:t>
+              <a:t>04.01.2013</a:t>
             </a:fld>
             <a:endParaRPr lang="de-DE"/>
           </a:p>
@@ -2229,7 +2230,7 @@
             <a:fld id="{F0B96F50-2E74-4531-A9D7-82F060543DE4}" type="datetimeFigureOut">
               <a:rPr lang="de-DE" smtClean="0"/>
               <a:pPr/>
-              <a:t>03.01.2013</a:t>
+              <a:t>04.01.2013</a:t>
             </a:fld>
             <a:endParaRPr lang="de-DE"/>
           </a:p>
@@ -2479,7 +2480,7 @@
             <a:fld id="{F0B96F50-2E74-4531-A9D7-82F060543DE4}" type="datetimeFigureOut">
               <a:rPr lang="de-DE" smtClean="0"/>
               <a:pPr/>
-              <a:t>03.01.2013</a:t>
+              <a:t>04.01.2013</a:t>
             </a:fld>
             <a:endParaRPr lang="de-DE"/>
           </a:p>
@@ -2689,7 +2690,7 @@
             <a:fld id="{F0B96F50-2E74-4531-A9D7-82F060543DE4}" type="datetimeFigureOut">
               <a:rPr lang="de-DE" smtClean="0"/>
               <a:pPr/>
-              <a:t>03.01.2013</a:t>
+              <a:t>04.01.2013</a:t>
             </a:fld>
             <a:endParaRPr lang="de-DE"/>
           </a:p>
@@ -8114,6 +8115,1660 @@
               <a:t>Smartphone</a:t>
             </a:r>
             <a:endParaRPr lang="de-DE" sz="1600" dirty="0"/>
+          </a:p>
+        </p:txBody>
+      </p:sp>
+    </p:spTree>
+  </p:cSld>
+  <p:clrMapOvr>
+    <a:masterClrMapping/>
+  </p:clrMapOvr>
+</p:sld>
+</file>
+
+<file path=ppt/slides/slide3.xml><?xml version="1.0" encoding="utf-8"?>
+<p:sld xmlns:a="http://schemas.openxmlformats.org/drawingml/2006/main" xmlns:r="http://schemas.openxmlformats.org/officeDocument/2006/relationships" xmlns:p="http://schemas.openxmlformats.org/presentationml/2006/main">
+  <p:cSld>
+    <p:spTree>
+      <p:nvGrpSpPr>
+        <p:cNvPr id="1" name=""/>
+        <p:cNvGrpSpPr/>
+        <p:nvPr/>
+      </p:nvGrpSpPr>
+      <p:grpSpPr>
+        <a:xfrm>
+          <a:off x="0" y="0"/>
+          <a:ext cx="0" cy="0"/>
+          <a:chOff x="0" y="0"/>
+          <a:chExt cx="0" cy="0"/>
+        </a:xfrm>
+      </p:grpSpPr>
+      <p:sp>
+        <p:nvSpPr>
+          <p:cNvPr id="8" name="Flussdiagramm: Grenzstelle 7"/>
+          <p:cNvSpPr/>
+          <p:nvPr/>
+        </p:nvSpPr>
+        <p:spPr>
+          <a:xfrm>
+            <a:off x="1799263" y="301625"/>
+            <a:ext cx="720080" cy="288032"/>
+          </a:xfrm>
+          <a:prstGeom prst="flowChartTerminator">
+            <a:avLst/>
+          </a:prstGeom>
+          <a:solidFill>
+            <a:schemeClr val="bg1"/>
+          </a:solidFill>
+          <a:ln w="19050">
+            <a:solidFill>
+              <a:schemeClr val="tx1"/>
+            </a:solidFill>
+          </a:ln>
+        </p:spPr>
+        <p:style>
+          <a:lnRef idx="2">
+            <a:schemeClr val="accent1">
+              <a:shade val="50000"/>
+            </a:schemeClr>
+          </a:lnRef>
+          <a:fillRef idx="1">
+            <a:schemeClr val="accent1"/>
+          </a:fillRef>
+          <a:effectRef idx="0">
+            <a:schemeClr val="accent1"/>
+          </a:effectRef>
+          <a:fontRef idx="minor">
+            <a:schemeClr val="lt1"/>
+          </a:fontRef>
+        </p:style>
+        <p:txBody>
+          <a:bodyPr rtlCol="0" anchor="ctr"/>
+          <a:lstStyle/>
+          <a:p>
+            <a:pPr algn="ctr"/>
+            <a:r>
+              <a:rPr lang="de-DE" sz="1400" dirty="0" smtClean="0">
+                <a:solidFill>
+                  <a:schemeClr val="tx1"/>
+                </a:solidFill>
+              </a:rPr>
+              <a:t>Start</a:t>
+            </a:r>
+            <a:endParaRPr lang="de-DE" sz="1400" dirty="0">
+              <a:solidFill>
+                <a:schemeClr val="tx1"/>
+              </a:solidFill>
+            </a:endParaRPr>
+          </a:p>
+        </p:txBody>
+      </p:sp>
+      <p:sp>
+        <p:nvSpPr>
+          <p:cNvPr id="9" name="Flussdiagramm: Grenzstelle 8"/>
+          <p:cNvSpPr/>
+          <p:nvPr/>
+        </p:nvSpPr>
+        <p:spPr>
+          <a:xfrm>
+            <a:off x="8532440" y="188640"/>
+            <a:ext cx="720080" cy="288032"/>
+          </a:xfrm>
+          <a:prstGeom prst="flowChartTerminator">
+            <a:avLst/>
+          </a:prstGeom>
+          <a:solidFill>
+            <a:schemeClr val="bg1"/>
+          </a:solidFill>
+          <a:ln w="19050">
+            <a:solidFill>
+              <a:schemeClr val="tx1"/>
+            </a:solidFill>
+          </a:ln>
+        </p:spPr>
+        <p:style>
+          <a:lnRef idx="2">
+            <a:schemeClr val="accent1">
+              <a:shade val="50000"/>
+            </a:schemeClr>
+          </a:lnRef>
+          <a:fillRef idx="1">
+            <a:schemeClr val="accent1"/>
+          </a:fillRef>
+          <a:effectRef idx="0">
+            <a:schemeClr val="accent1"/>
+          </a:effectRef>
+          <a:fontRef idx="minor">
+            <a:schemeClr val="lt1"/>
+          </a:fontRef>
+        </p:style>
+        <p:txBody>
+          <a:bodyPr rtlCol="0" anchor="ctr"/>
+          <a:lstStyle/>
+          <a:p>
+            <a:pPr algn="ctr"/>
+            <a:r>
+              <a:rPr lang="de-DE" sz="1400" dirty="0" err="1" smtClean="0">
+                <a:solidFill>
+                  <a:schemeClr val="tx1"/>
+                </a:solidFill>
+              </a:rPr>
+              <a:t>Stop</a:t>
+            </a:r>
+            <a:endParaRPr lang="de-DE" sz="1400" dirty="0">
+              <a:solidFill>
+                <a:schemeClr val="tx1"/>
+              </a:solidFill>
+            </a:endParaRPr>
+          </a:p>
+        </p:txBody>
+      </p:sp>
+      <p:sp>
+        <p:nvSpPr>
+          <p:cNvPr id="10" name="Flussdiagramm: Prozess 9"/>
+          <p:cNvSpPr/>
+          <p:nvPr/>
+        </p:nvSpPr>
+        <p:spPr>
+          <a:xfrm>
+            <a:off x="1367136" y="908720"/>
+            <a:ext cx="1584176" cy="504056"/>
+          </a:xfrm>
+          <a:prstGeom prst="flowChartProcess">
+            <a:avLst/>
+          </a:prstGeom>
+          <a:solidFill>
+            <a:schemeClr val="bg1"/>
+          </a:solidFill>
+          <a:ln w="19050">
+            <a:solidFill>
+              <a:schemeClr val="tx1"/>
+            </a:solidFill>
+          </a:ln>
+        </p:spPr>
+        <p:style>
+          <a:lnRef idx="2">
+            <a:schemeClr val="accent1">
+              <a:shade val="50000"/>
+            </a:schemeClr>
+          </a:lnRef>
+          <a:fillRef idx="1">
+            <a:schemeClr val="accent1"/>
+          </a:fillRef>
+          <a:effectRef idx="0">
+            <a:schemeClr val="accent1"/>
+          </a:effectRef>
+          <a:fontRef idx="minor">
+            <a:schemeClr val="lt1"/>
+          </a:fontRef>
+        </p:style>
+        <p:txBody>
+          <a:bodyPr rtlCol="0" anchor="ctr"/>
+          <a:lstStyle/>
+          <a:p>
+            <a:pPr algn="ctr"/>
+            <a:r>
+              <a:rPr lang="de-DE" sz="1400" dirty="0" smtClean="0">
+                <a:solidFill>
+                  <a:schemeClr val="tx1"/>
+                </a:solidFill>
+              </a:rPr>
+              <a:t>Initialisiere Abschlüsse-</a:t>
+            </a:r>
+            <a:r>
+              <a:rPr lang="de-DE" sz="1400" dirty="0" err="1" smtClean="0">
+                <a:solidFill>
+                  <a:schemeClr val="tx1"/>
+                </a:solidFill>
+              </a:rPr>
+              <a:t>Activity</a:t>
+            </a:r>
+            <a:endParaRPr lang="de-DE" sz="1400" dirty="0">
+              <a:solidFill>
+                <a:schemeClr val="tx1"/>
+              </a:solidFill>
+            </a:endParaRPr>
+          </a:p>
+        </p:txBody>
+      </p:sp>
+      <p:grpSp>
+        <p:nvGrpSpPr>
+          <p:cNvPr id="13" name="Gruppieren 12"/>
+          <p:cNvGrpSpPr/>
+          <p:nvPr/>
+        </p:nvGrpSpPr>
+        <p:grpSpPr>
+          <a:xfrm>
+            <a:off x="8532440" y="548680"/>
+            <a:ext cx="432048" cy="432048"/>
+            <a:chOff x="3707904" y="260648"/>
+            <a:chExt cx="432048" cy="432048"/>
+          </a:xfrm>
+        </p:grpSpPr>
+        <p:sp>
+          <p:nvSpPr>
+            <p:cNvPr id="12" name="Flussdiagramm: Verbindungsstelle 11"/>
+            <p:cNvSpPr/>
+            <p:nvPr/>
+          </p:nvSpPr>
+          <p:spPr>
+            <a:xfrm>
+              <a:off x="3707904" y="260648"/>
+              <a:ext cx="432048" cy="432048"/>
+            </a:xfrm>
+            <a:prstGeom prst="flowChartConnector">
+              <a:avLst/>
+            </a:prstGeom>
+            <a:noFill/>
+            <a:ln>
+              <a:solidFill>
+                <a:schemeClr val="tx1"/>
+              </a:solidFill>
+            </a:ln>
+          </p:spPr>
+          <p:style>
+            <a:lnRef idx="2">
+              <a:schemeClr val="accent1">
+                <a:shade val="50000"/>
+              </a:schemeClr>
+            </a:lnRef>
+            <a:fillRef idx="1">
+              <a:schemeClr val="accent1"/>
+            </a:fillRef>
+            <a:effectRef idx="0">
+              <a:schemeClr val="accent1"/>
+            </a:effectRef>
+            <a:fontRef idx="minor">
+              <a:schemeClr val="lt1"/>
+            </a:fontRef>
+          </p:style>
+          <p:txBody>
+            <a:bodyPr rtlCol="0" anchor="ctr"/>
+            <a:lstStyle/>
+            <a:p>
+              <a:pPr algn="ctr"/>
+              <a:endParaRPr lang="de-DE"/>
+            </a:p>
+          </p:txBody>
+        </p:sp>
+        <p:sp>
+          <p:nvSpPr>
+            <p:cNvPr id="11" name="Flussdiagramm: Verbindungsstelle 10"/>
+            <p:cNvSpPr/>
+            <p:nvPr/>
+          </p:nvSpPr>
+          <p:spPr>
+            <a:xfrm>
+              <a:off x="3851920" y="404664"/>
+              <a:ext cx="144016" cy="144016"/>
+            </a:xfrm>
+            <a:prstGeom prst="flowChartConnector">
+              <a:avLst/>
+            </a:prstGeom>
+            <a:solidFill>
+              <a:schemeClr val="tx1"/>
+            </a:solidFill>
+            <a:ln>
+              <a:solidFill>
+                <a:schemeClr val="tx1"/>
+              </a:solidFill>
+            </a:ln>
+          </p:spPr>
+          <p:style>
+            <a:lnRef idx="2">
+              <a:schemeClr val="accent1">
+                <a:shade val="50000"/>
+              </a:schemeClr>
+            </a:lnRef>
+            <a:fillRef idx="1">
+              <a:schemeClr val="accent1"/>
+            </a:fillRef>
+            <a:effectRef idx="0">
+              <a:schemeClr val="accent1"/>
+            </a:effectRef>
+            <a:fontRef idx="minor">
+              <a:schemeClr val="lt1"/>
+            </a:fontRef>
+          </p:style>
+          <p:txBody>
+            <a:bodyPr rtlCol="0" anchor="ctr"/>
+            <a:lstStyle/>
+            <a:p>
+              <a:pPr algn="ctr"/>
+              <a:endParaRPr lang="de-DE"/>
+            </a:p>
+          </p:txBody>
+        </p:sp>
+      </p:grpSp>
+      <p:sp>
+        <p:nvSpPr>
+          <p:cNvPr id="15" name="Flussdiagramm: Verbindungsstelle 14"/>
+          <p:cNvSpPr/>
+          <p:nvPr/>
+        </p:nvSpPr>
+        <p:spPr>
+          <a:xfrm>
+            <a:off x="8783960" y="737320"/>
+            <a:ext cx="432048" cy="432048"/>
+          </a:xfrm>
+          <a:prstGeom prst="flowChartConnector">
+            <a:avLst/>
+          </a:prstGeom>
+          <a:solidFill>
+            <a:schemeClr val="tx1"/>
+          </a:solidFill>
+          <a:ln>
+            <a:solidFill>
+              <a:schemeClr val="tx1"/>
+            </a:solidFill>
+          </a:ln>
+        </p:spPr>
+        <p:style>
+          <a:lnRef idx="2">
+            <a:schemeClr val="accent1">
+              <a:shade val="50000"/>
+            </a:schemeClr>
+          </a:lnRef>
+          <a:fillRef idx="1">
+            <a:schemeClr val="accent1"/>
+          </a:fillRef>
+          <a:effectRef idx="0">
+            <a:schemeClr val="accent1"/>
+          </a:effectRef>
+          <a:fontRef idx="minor">
+            <a:schemeClr val="lt1"/>
+          </a:fontRef>
+        </p:style>
+        <p:txBody>
+          <a:bodyPr rtlCol="0" anchor="ctr"/>
+          <a:lstStyle/>
+          <a:p>
+            <a:pPr algn="ctr"/>
+            <a:endParaRPr lang="de-DE"/>
+          </a:p>
+        </p:txBody>
+      </p:sp>
+      <p:cxnSp>
+        <p:nvCxnSpPr>
+          <p:cNvPr id="18" name="Gewinkelte Verbindung 17"/>
+          <p:cNvCxnSpPr>
+            <a:stCxn id="8" idx="2"/>
+            <a:endCxn id="10" idx="0"/>
+          </p:cNvCxnSpPr>
+          <p:nvPr/>
+        </p:nvCxnSpPr>
+        <p:spPr>
+          <a:xfrm rot="5400000">
+            <a:off x="1999733" y="749149"/>
+            <a:ext cx="319063" cy="79"/>
+          </a:xfrm>
+          <a:prstGeom prst="bentConnector3">
+            <a:avLst>
+              <a:gd name="adj1" fmla="val 50000"/>
+            </a:avLst>
+          </a:prstGeom>
+          <a:ln w="19050">
+            <a:solidFill>
+              <a:schemeClr val="tx1"/>
+            </a:solidFill>
+            <a:tailEnd type="triangle"/>
+          </a:ln>
+        </p:spPr>
+        <p:style>
+          <a:lnRef idx="1">
+            <a:schemeClr val="accent1"/>
+          </a:lnRef>
+          <a:fillRef idx="0">
+            <a:schemeClr val="accent1"/>
+          </a:fillRef>
+          <a:effectRef idx="0">
+            <a:schemeClr val="accent1"/>
+          </a:effectRef>
+          <a:fontRef idx="minor">
+            <a:schemeClr val="tx1"/>
+          </a:fontRef>
+        </p:style>
+      </p:cxnSp>
+      <p:sp>
+        <p:nvSpPr>
+          <p:cNvPr id="25" name="Flussdiagramm: Verzweigung 24"/>
+          <p:cNvSpPr/>
+          <p:nvPr/>
+        </p:nvSpPr>
+        <p:spPr>
+          <a:xfrm>
+            <a:off x="1006525" y="1844824"/>
+            <a:ext cx="2304256" cy="864096"/>
+          </a:xfrm>
+          <a:prstGeom prst="flowChartDecision">
+            <a:avLst/>
+          </a:prstGeom>
+          <a:solidFill>
+            <a:schemeClr val="bg1"/>
+          </a:solidFill>
+          <a:ln w="19050">
+            <a:solidFill>
+              <a:schemeClr val="tx1"/>
+            </a:solidFill>
+          </a:ln>
+        </p:spPr>
+        <p:style>
+          <a:lnRef idx="2">
+            <a:schemeClr val="accent1">
+              <a:shade val="50000"/>
+            </a:schemeClr>
+          </a:lnRef>
+          <a:fillRef idx="1">
+            <a:schemeClr val="accent1"/>
+          </a:fillRef>
+          <a:effectRef idx="0">
+            <a:schemeClr val="accent1"/>
+          </a:effectRef>
+          <a:fontRef idx="minor">
+            <a:schemeClr val="lt1"/>
+          </a:fontRef>
+        </p:style>
+        <p:txBody>
+          <a:bodyPr rtlCol="0" anchor="ctr"/>
+          <a:lstStyle/>
+          <a:p>
+            <a:pPr algn="ctr"/>
+            <a:r>
+              <a:rPr lang="de-DE" sz="1400" dirty="0" smtClean="0">
+                <a:solidFill>
+                  <a:schemeClr val="tx1"/>
+                </a:solidFill>
+              </a:rPr>
+              <a:t>Nutzer &amp; Passwort vorhanden</a:t>
+            </a:r>
+            <a:endParaRPr lang="de-DE" sz="1400" dirty="0">
+              <a:solidFill>
+                <a:schemeClr val="tx1"/>
+              </a:solidFill>
+            </a:endParaRPr>
+          </a:p>
+        </p:txBody>
+      </p:sp>
+      <p:cxnSp>
+        <p:nvCxnSpPr>
+          <p:cNvPr id="28" name="Gewinkelte Verbindung 27"/>
+          <p:cNvCxnSpPr>
+            <a:stCxn id="10" idx="2"/>
+            <a:endCxn id="25" idx="0"/>
+          </p:cNvCxnSpPr>
+          <p:nvPr/>
+        </p:nvCxnSpPr>
+        <p:spPr>
+          <a:xfrm rot="5400000">
+            <a:off x="1942915" y="1628515"/>
+            <a:ext cx="432048" cy="571"/>
+          </a:xfrm>
+          <a:prstGeom prst="bentConnector3">
+            <a:avLst>
+              <a:gd name="adj1" fmla="val 50000"/>
+            </a:avLst>
+          </a:prstGeom>
+          <a:ln w="19050">
+            <a:solidFill>
+              <a:schemeClr val="tx1"/>
+            </a:solidFill>
+            <a:tailEnd type="triangle"/>
+          </a:ln>
+        </p:spPr>
+        <p:style>
+          <a:lnRef idx="1">
+            <a:schemeClr val="accent1"/>
+          </a:lnRef>
+          <a:fillRef idx="0">
+            <a:schemeClr val="accent1"/>
+          </a:fillRef>
+          <a:effectRef idx="0">
+            <a:schemeClr val="accent1"/>
+          </a:effectRef>
+          <a:fontRef idx="minor">
+            <a:schemeClr val="tx1"/>
+          </a:fontRef>
+        </p:style>
+      </p:cxnSp>
+      <p:sp>
+        <p:nvSpPr>
+          <p:cNvPr id="35" name="Flussdiagramm: Prozess 34"/>
+          <p:cNvSpPr/>
+          <p:nvPr/>
+        </p:nvSpPr>
+        <p:spPr>
+          <a:xfrm>
+            <a:off x="3923928" y="2096751"/>
+            <a:ext cx="1152128" cy="360040"/>
+          </a:xfrm>
+          <a:prstGeom prst="flowChartProcess">
+            <a:avLst/>
+          </a:prstGeom>
+          <a:solidFill>
+            <a:schemeClr val="bg1"/>
+          </a:solidFill>
+          <a:ln w="19050">
+            <a:solidFill>
+              <a:schemeClr val="tx1"/>
+            </a:solidFill>
+          </a:ln>
+        </p:spPr>
+        <p:style>
+          <a:lnRef idx="2">
+            <a:schemeClr val="accent1">
+              <a:shade val="50000"/>
+            </a:schemeClr>
+          </a:lnRef>
+          <a:fillRef idx="1">
+            <a:schemeClr val="accent1"/>
+          </a:fillRef>
+          <a:effectRef idx="0">
+            <a:schemeClr val="accent1"/>
+          </a:effectRef>
+          <a:fontRef idx="minor">
+            <a:schemeClr val="lt1"/>
+          </a:fontRef>
+        </p:style>
+        <p:txBody>
+          <a:bodyPr rtlCol="0" anchor="ctr"/>
+          <a:lstStyle/>
+          <a:p>
+            <a:pPr algn="ctr"/>
+            <a:r>
+              <a:rPr lang="de-DE" sz="1400" dirty="0" smtClean="0">
+                <a:solidFill>
+                  <a:schemeClr val="tx1"/>
+                </a:solidFill>
+              </a:rPr>
+              <a:t>Aktualisieren</a:t>
+            </a:r>
+            <a:endParaRPr lang="de-DE" sz="1400" dirty="0">
+              <a:solidFill>
+                <a:schemeClr val="tx1"/>
+              </a:solidFill>
+            </a:endParaRPr>
+          </a:p>
+        </p:txBody>
+      </p:sp>
+      <p:cxnSp>
+        <p:nvCxnSpPr>
+          <p:cNvPr id="36" name="Gewinkelte Verbindung 35"/>
+          <p:cNvCxnSpPr>
+            <a:stCxn id="25" idx="3"/>
+            <a:endCxn id="35" idx="1"/>
+          </p:cNvCxnSpPr>
+          <p:nvPr/>
+        </p:nvCxnSpPr>
+        <p:spPr>
+          <a:xfrm flipV="1">
+            <a:off x="3310781" y="2276771"/>
+            <a:ext cx="613147" cy="101"/>
+          </a:xfrm>
+          <a:prstGeom prst="bentConnector3">
+            <a:avLst>
+              <a:gd name="adj1" fmla="val 50000"/>
+            </a:avLst>
+          </a:prstGeom>
+          <a:ln w="19050">
+            <a:solidFill>
+              <a:schemeClr val="tx1"/>
+            </a:solidFill>
+            <a:tailEnd type="triangle"/>
+          </a:ln>
+        </p:spPr>
+        <p:style>
+          <a:lnRef idx="1">
+            <a:schemeClr val="accent1"/>
+          </a:lnRef>
+          <a:fillRef idx="0">
+            <a:schemeClr val="accent1"/>
+          </a:fillRef>
+          <a:effectRef idx="0">
+            <a:schemeClr val="accent1"/>
+          </a:effectRef>
+          <a:fontRef idx="minor">
+            <a:schemeClr val="tx1"/>
+          </a:fontRef>
+        </p:style>
+      </p:cxnSp>
+      <p:sp>
+        <p:nvSpPr>
+          <p:cNvPr id="48" name="Flussdiagramm: Vordefinierter Prozess 47"/>
+          <p:cNvSpPr/>
+          <p:nvPr/>
+        </p:nvSpPr>
+        <p:spPr>
+          <a:xfrm>
+            <a:off x="5652120" y="1988914"/>
+            <a:ext cx="2160240" cy="576064"/>
+          </a:xfrm>
+          <a:prstGeom prst="flowChartPredefinedProcess">
+            <a:avLst/>
+          </a:prstGeom>
+          <a:solidFill>
+            <a:schemeClr val="bg1"/>
+          </a:solidFill>
+          <a:ln w="19050">
+            <a:solidFill>
+              <a:schemeClr val="tx1"/>
+            </a:solidFill>
+          </a:ln>
+        </p:spPr>
+        <p:style>
+          <a:lnRef idx="2">
+            <a:schemeClr val="accent1">
+              <a:shade val="50000"/>
+            </a:schemeClr>
+          </a:lnRef>
+          <a:fillRef idx="1">
+            <a:schemeClr val="accent1"/>
+          </a:fillRef>
+          <a:effectRef idx="0">
+            <a:schemeClr val="accent1"/>
+          </a:effectRef>
+          <a:fontRef idx="minor">
+            <a:schemeClr val="lt1"/>
+          </a:fontRef>
+        </p:style>
+        <p:txBody>
+          <a:bodyPr rtlCol="0" anchor="ctr"/>
+          <a:lstStyle/>
+          <a:p>
+            <a:pPr algn="ctr"/>
+            <a:r>
+              <a:rPr lang="de-DE" sz="1400" dirty="0" smtClean="0">
+                <a:solidFill>
+                  <a:schemeClr val="tx1"/>
+                </a:solidFill>
+              </a:rPr>
+              <a:t>Asynchrone</a:t>
+            </a:r>
+          </a:p>
+          <a:p>
+            <a:pPr algn="ctr"/>
+            <a:r>
+              <a:rPr lang="de-DE" sz="1400" dirty="0" smtClean="0">
+                <a:solidFill>
+                  <a:schemeClr val="tx1"/>
+                </a:solidFill>
+              </a:rPr>
+              <a:t>QIS-Server-Anfrage</a:t>
+            </a:r>
+            <a:endParaRPr lang="de-DE" sz="1400" dirty="0">
+              <a:solidFill>
+                <a:schemeClr val="tx1"/>
+              </a:solidFill>
+            </a:endParaRPr>
+          </a:p>
+        </p:txBody>
+      </p:sp>
+      <p:cxnSp>
+        <p:nvCxnSpPr>
+          <p:cNvPr id="49" name="Gewinkelte Verbindung 48"/>
+          <p:cNvCxnSpPr>
+            <a:stCxn id="35" idx="3"/>
+            <a:endCxn id="48" idx="1"/>
+          </p:cNvCxnSpPr>
+          <p:nvPr/>
+        </p:nvCxnSpPr>
+        <p:spPr>
+          <a:xfrm>
+            <a:off x="5076056" y="2276771"/>
+            <a:ext cx="576064" cy="175"/>
+          </a:xfrm>
+          <a:prstGeom prst="bentConnector3">
+            <a:avLst>
+              <a:gd name="adj1" fmla="val 50000"/>
+            </a:avLst>
+          </a:prstGeom>
+          <a:ln w="19050">
+            <a:solidFill>
+              <a:schemeClr val="tx1"/>
+            </a:solidFill>
+            <a:tailEnd type="triangle"/>
+          </a:ln>
+        </p:spPr>
+        <p:style>
+          <a:lnRef idx="1">
+            <a:schemeClr val="accent1"/>
+          </a:lnRef>
+          <a:fillRef idx="0">
+            <a:schemeClr val="accent1"/>
+          </a:fillRef>
+          <a:effectRef idx="0">
+            <a:schemeClr val="accent1"/>
+          </a:effectRef>
+          <a:fontRef idx="minor">
+            <a:schemeClr val="tx1"/>
+          </a:fontRef>
+        </p:style>
+      </p:cxnSp>
+      <p:sp>
+        <p:nvSpPr>
+          <p:cNvPr id="74" name="Flussdiagramm: Prozess 73"/>
+          <p:cNvSpPr/>
+          <p:nvPr/>
+        </p:nvSpPr>
+        <p:spPr>
+          <a:xfrm>
+            <a:off x="1313681" y="3088382"/>
+            <a:ext cx="1693168" cy="504056"/>
+          </a:xfrm>
+          <a:prstGeom prst="flowChartProcess">
+            <a:avLst/>
+          </a:prstGeom>
+          <a:solidFill>
+            <a:schemeClr val="bg1"/>
+          </a:solidFill>
+          <a:ln w="19050">
+            <a:solidFill>
+              <a:schemeClr val="tx1"/>
+            </a:solidFill>
+          </a:ln>
+        </p:spPr>
+        <p:style>
+          <a:lnRef idx="2">
+            <a:schemeClr val="accent1">
+              <a:shade val="50000"/>
+            </a:schemeClr>
+          </a:lnRef>
+          <a:fillRef idx="1">
+            <a:schemeClr val="accent1"/>
+          </a:fillRef>
+          <a:effectRef idx="0">
+            <a:schemeClr val="accent1"/>
+          </a:effectRef>
+          <a:fontRef idx="minor">
+            <a:schemeClr val="lt1"/>
+          </a:fontRef>
+        </p:style>
+        <p:txBody>
+          <a:bodyPr rtlCol="0" anchor="ctr"/>
+          <a:lstStyle/>
+          <a:p>
+            <a:pPr algn="ctr"/>
+            <a:r>
+              <a:rPr lang="de-DE" sz="1400" dirty="0" smtClean="0">
+                <a:solidFill>
+                  <a:schemeClr val="tx1"/>
+                </a:solidFill>
+              </a:rPr>
+              <a:t>Aktiviere Einstellungs-</a:t>
+            </a:r>
+            <a:r>
+              <a:rPr lang="de-DE" sz="1400" dirty="0" err="1" smtClean="0">
+                <a:solidFill>
+                  <a:schemeClr val="tx1"/>
+                </a:solidFill>
+              </a:rPr>
+              <a:t>Activity</a:t>
+            </a:r>
+            <a:endParaRPr lang="de-DE" sz="1400" dirty="0">
+              <a:solidFill>
+                <a:schemeClr val="tx1"/>
+              </a:solidFill>
+            </a:endParaRPr>
+          </a:p>
+        </p:txBody>
+      </p:sp>
+      <p:cxnSp>
+        <p:nvCxnSpPr>
+          <p:cNvPr id="75" name="Gewinkelte Verbindung 74"/>
+          <p:cNvCxnSpPr>
+            <a:stCxn id="25" idx="2"/>
+            <a:endCxn id="74" idx="0"/>
+          </p:cNvCxnSpPr>
+          <p:nvPr/>
+        </p:nvCxnSpPr>
+        <p:spPr>
+          <a:xfrm rot="16200000" flipH="1">
+            <a:off x="1969728" y="2897845"/>
+            <a:ext cx="379462" cy="1612"/>
+          </a:xfrm>
+          <a:prstGeom prst="bentConnector3">
+            <a:avLst>
+              <a:gd name="adj1" fmla="val 50000"/>
+            </a:avLst>
+          </a:prstGeom>
+          <a:ln w="19050">
+            <a:solidFill>
+              <a:schemeClr val="tx1"/>
+            </a:solidFill>
+            <a:tailEnd type="triangle"/>
+          </a:ln>
+        </p:spPr>
+        <p:style>
+          <a:lnRef idx="1">
+            <a:schemeClr val="accent1"/>
+          </a:lnRef>
+          <a:fillRef idx="0">
+            <a:schemeClr val="accent1"/>
+          </a:fillRef>
+          <a:effectRef idx="0">
+            <a:schemeClr val="accent1"/>
+          </a:effectRef>
+          <a:fontRef idx="minor">
+            <a:schemeClr val="tx1"/>
+          </a:fontRef>
+        </p:style>
+      </p:cxnSp>
+      <p:cxnSp>
+        <p:nvCxnSpPr>
+          <p:cNvPr id="82" name="Gewinkelte Verbindung 81"/>
+          <p:cNvCxnSpPr>
+            <a:stCxn id="74" idx="1"/>
+            <a:endCxn id="25" idx="1"/>
+          </p:cNvCxnSpPr>
+          <p:nvPr/>
+        </p:nvCxnSpPr>
+        <p:spPr>
+          <a:xfrm rot="10800000">
+            <a:off x="1006525" y="2276872"/>
+            <a:ext cx="307156" cy="1063538"/>
+          </a:xfrm>
+          <a:prstGeom prst="bentConnector3">
+            <a:avLst>
+              <a:gd name="adj1" fmla="val 174425"/>
+            </a:avLst>
+          </a:prstGeom>
+          <a:ln w="19050">
+            <a:solidFill>
+              <a:schemeClr val="tx1"/>
+            </a:solidFill>
+            <a:tailEnd type="triangle"/>
+          </a:ln>
+        </p:spPr>
+        <p:style>
+          <a:lnRef idx="1">
+            <a:schemeClr val="accent1"/>
+          </a:lnRef>
+          <a:fillRef idx="0">
+            <a:schemeClr val="accent1"/>
+          </a:fillRef>
+          <a:effectRef idx="0">
+            <a:schemeClr val="accent1"/>
+          </a:effectRef>
+          <a:fontRef idx="minor">
+            <a:schemeClr val="tx1"/>
+          </a:fontRef>
+        </p:style>
+      </p:cxnSp>
+      <p:sp>
+        <p:nvSpPr>
+          <p:cNvPr id="85" name="Textfeld 84"/>
+          <p:cNvSpPr txBox="1"/>
+          <p:nvPr/>
+        </p:nvSpPr>
+        <p:spPr>
+          <a:xfrm>
+            <a:off x="2123728" y="2708920"/>
+            <a:ext cx="505267" cy="307777"/>
+          </a:xfrm>
+          <a:prstGeom prst="rect">
+            <a:avLst/>
+          </a:prstGeom>
+          <a:noFill/>
+        </p:spPr>
+        <p:txBody>
+          <a:bodyPr wrap="none" rtlCol="0">
+            <a:spAutoFit/>
+          </a:bodyPr>
+          <a:lstStyle/>
+          <a:p>
+            <a:r>
+              <a:rPr lang="de-DE" sz="1400" dirty="0" smtClean="0"/>
+              <a:t>nein</a:t>
+            </a:r>
+          </a:p>
+        </p:txBody>
+      </p:sp>
+      <p:sp>
+        <p:nvSpPr>
+          <p:cNvPr id="86" name="Textfeld 85"/>
+          <p:cNvSpPr txBox="1"/>
+          <p:nvPr/>
+        </p:nvSpPr>
+        <p:spPr>
+          <a:xfrm>
+            <a:off x="3491880" y="1988840"/>
+            <a:ext cx="314510" cy="307777"/>
+          </a:xfrm>
+          <a:prstGeom prst="rect">
+            <a:avLst/>
+          </a:prstGeom>
+          <a:noFill/>
+        </p:spPr>
+        <p:txBody>
+          <a:bodyPr wrap="none" rtlCol="0">
+            <a:spAutoFit/>
+          </a:bodyPr>
+          <a:lstStyle/>
+          <a:p>
+            <a:r>
+              <a:rPr lang="de-DE" sz="1400" dirty="0" smtClean="0"/>
+              <a:t>ja</a:t>
+            </a:r>
+            <a:endParaRPr lang="de-DE" sz="1400" dirty="0"/>
+          </a:p>
+        </p:txBody>
+      </p:sp>
+      <p:sp>
+        <p:nvSpPr>
+          <p:cNvPr id="148" name="Flussdiagramm: Verzweigung 147"/>
+          <p:cNvSpPr/>
+          <p:nvPr/>
+        </p:nvSpPr>
+        <p:spPr>
+          <a:xfrm>
+            <a:off x="3618756" y="2970659"/>
+            <a:ext cx="1764382" cy="648072"/>
+          </a:xfrm>
+          <a:prstGeom prst="flowChartDecision">
+            <a:avLst/>
+          </a:prstGeom>
+          <a:solidFill>
+            <a:schemeClr val="bg1"/>
+          </a:solidFill>
+          <a:ln w="19050">
+            <a:solidFill>
+              <a:schemeClr val="tx1"/>
+            </a:solidFill>
+          </a:ln>
+        </p:spPr>
+        <p:style>
+          <a:lnRef idx="2">
+            <a:schemeClr val="accent1">
+              <a:shade val="50000"/>
+            </a:schemeClr>
+          </a:lnRef>
+          <a:fillRef idx="1">
+            <a:schemeClr val="accent1"/>
+          </a:fillRef>
+          <a:effectRef idx="0">
+            <a:schemeClr val="accent1"/>
+          </a:effectRef>
+          <a:fontRef idx="minor">
+            <a:schemeClr val="lt1"/>
+          </a:fontRef>
+        </p:style>
+        <p:txBody>
+          <a:bodyPr rtlCol="0" anchor="ctr"/>
+          <a:lstStyle/>
+          <a:p>
+            <a:pPr algn="ctr"/>
+            <a:r>
+              <a:rPr lang="de-DE" sz="1400" dirty="0" smtClean="0">
+                <a:solidFill>
+                  <a:schemeClr val="tx1"/>
+                </a:solidFill>
+              </a:rPr>
+              <a:t>Daten gefunden</a:t>
+            </a:r>
+            <a:endParaRPr lang="de-DE" sz="1400" dirty="0">
+              <a:solidFill>
+                <a:schemeClr val="tx1"/>
+              </a:solidFill>
+            </a:endParaRPr>
+          </a:p>
+        </p:txBody>
+      </p:sp>
+      <p:cxnSp>
+        <p:nvCxnSpPr>
+          <p:cNvPr id="149" name="Gewinkelte Verbindung 148"/>
+          <p:cNvCxnSpPr>
+            <a:stCxn id="35" idx="2"/>
+            <a:endCxn id="148" idx="0"/>
+          </p:cNvCxnSpPr>
+          <p:nvPr/>
+        </p:nvCxnSpPr>
+        <p:spPr>
+          <a:xfrm rot="16200000" flipH="1">
+            <a:off x="4243535" y="2713247"/>
+            <a:ext cx="513868" cy="955"/>
+          </a:xfrm>
+          <a:prstGeom prst="bentConnector3">
+            <a:avLst>
+              <a:gd name="adj1" fmla="val 50000"/>
+            </a:avLst>
+          </a:prstGeom>
+          <a:ln w="19050">
+            <a:solidFill>
+              <a:schemeClr val="tx1"/>
+            </a:solidFill>
+            <a:tailEnd type="triangle"/>
+          </a:ln>
+        </p:spPr>
+        <p:style>
+          <a:lnRef idx="1">
+            <a:schemeClr val="accent1"/>
+          </a:lnRef>
+          <a:fillRef idx="0">
+            <a:schemeClr val="accent1"/>
+          </a:fillRef>
+          <a:effectRef idx="0">
+            <a:schemeClr val="accent1"/>
+          </a:effectRef>
+          <a:fontRef idx="minor">
+            <a:schemeClr val="tx1"/>
+          </a:fontRef>
+        </p:style>
+      </p:cxnSp>
+      <p:cxnSp>
+        <p:nvCxnSpPr>
+          <p:cNvPr id="157" name="Gewinkelte Verbindung 156"/>
+          <p:cNvCxnSpPr>
+            <a:stCxn id="148" idx="2"/>
+            <a:endCxn id="165" idx="0"/>
+          </p:cNvCxnSpPr>
+          <p:nvPr/>
+        </p:nvCxnSpPr>
+        <p:spPr>
+          <a:xfrm rot="16200000" flipH="1">
+            <a:off x="4272012" y="3847665"/>
+            <a:ext cx="458341" cy="471"/>
+          </a:xfrm>
+          <a:prstGeom prst="bentConnector3">
+            <a:avLst>
+              <a:gd name="adj1" fmla="val 50000"/>
+            </a:avLst>
+          </a:prstGeom>
+          <a:ln w="19050">
+            <a:solidFill>
+              <a:schemeClr val="tx1"/>
+            </a:solidFill>
+            <a:tailEnd type="triangle"/>
+          </a:ln>
+        </p:spPr>
+        <p:style>
+          <a:lnRef idx="1">
+            <a:schemeClr val="accent1"/>
+          </a:lnRef>
+          <a:fillRef idx="0">
+            <a:schemeClr val="accent1"/>
+          </a:fillRef>
+          <a:effectRef idx="0">
+            <a:schemeClr val="accent1"/>
+          </a:effectRef>
+          <a:fontRef idx="minor">
+            <a:schemeClr val="tx1"/>
+          </a:fontRef>
+        </p:style>
+      </p:cxnSp>
+      <p:sp>
+        <p:nvSpPr>
+          <p:cNvPr id="158" name="Textfeld 157"/>
+          <p:cNvSpPr txBox="1"/>
+          <p:nvPr/>
+        </p:nvSpPr>
+        <p:spPr>
+          <a:xfrm>
+            <a:off x="4473514" y="3645024"/>
+            <a:ext cx="314510" cy="307777"/>
+          </a:xfrm>
+          <a:prstGeom prst="rect">
+            <a:avLst/>
+          </a:prstGeom>
+          <a:noFill/>
+        </p:spPr>
+        <p:txBody>
+          <a:bodyPr wrap="none" rtlCol="0">
+            <a:spAutoFit/>
+          </a:bodyPr>
+          <a:lstStyle/>
+          <a:p>
+            <a:r>
+              <a:rPr lang="de-DE" sz="1400" dirty="0" smtClean="0"/>
+              <a:t>ja</a:t>
+            </a:r>
+            <a:endParaRPr lang="de-DE" sz="1400" dirty="0"/>
+          </a:p>
+        </p:txBody>
+      </p:sp>
+      <p:sp>
+        <p:nvSpPr>
+          <p:cNvPr id="159" name="Flussdiagramm: Prozess 158"/>
+          <p:cNvSpPr/>
+          <p:nvPr/>
+        </p:nvSpPr>
+        <p:spPr>
+          <a:xfrm>
+            <a:off x="5940152" y="3078485"/>
+            <a:ext cx="1656184" cy="432048"/>
+          </a:xfrm>
+          <a:prstGeom prst="flowChartProcess">
+            <a:avLst/>
+          </a:prstGeom>
+          <a:solidFill>
+            <a:schemeClr val="bg1"/>
+          </a:solidFill>
+          <a:ln w="19050">
+            <a:solidFill>
+              <a:schemeClr val="tx1"/>
+            </a:solidFill>
+          </a:ln>
+        </p:spPr>
+        <p:style>
+          <a:lnRef idx="2">
+            <a:schemeClr val="accent1">
+              <a:shade val="50000"/>
+            </a:schemeClr>
+          </a:lnRef>
+          <a:fillRef idx="1">
+            <a:schemeClr val="accent1"/>
+          </a:fillRef>
+          <a:effectRef idx="0">
+            <a:schemeClr val="accent1"/>
+          </a:effectRef>
+          <a:fontRef idx="minor">
+            <a:schemeClr val="lt1"/>
+          </a:fontRef>
+        </p:style>
+        <p:txBody>
+          <a:bodyPr rtlCol="0" anchor="ctr"/>
+          <a:lstStyle/>
+          <a:p>
+            <a:pPr algn="ctr"/>
+            <a:r>
+              <a:rPr lang="de-DE" sz="1400" dirty="0" smtClean="0">
+                <a:solidFill>
+                  <a:schemeClr val="tx1"/>
+                </a:solidFill>
+              </a:rPr>
+              <a:t>Aktualisierungs-Fragment anzeigen</a:t>
+            </a:r>
+            <a:endParaRPr lang="de-DE" sz="1400" dirty="0">
+              <a:solidFill>
+                <a:schemeClr val="tx1"/>
+              </a:solidFill>
+            </a:endParaRPr>
+          </a:p>
+        </p:txBody>
+      </p:sp>
+      <p:cxnSp>
+        <p:nvCxnSpPr>
+          <p:cNvPr id="160" name="Gewinkelte Verbindung 159"/>
+          <p:cNvCxnSpPr>
+            <a:stCxn id="148" idx="3"/>
+            <a:endCxn id="159" idx="1"/>
+          </p:cNvCxnSpPr>
+          <p:nvPr/>
+        </p:nvCxnSpPr>
+        <p:spPr>
+          <a:xfrm flipV="1">
+            <a:off x="5383138" y="3294509"/>
+            <a:ext cx="557014" cy="186"/>
+          </a:xfrm>
+          <a:prstGeom prst="bentConnector3">
+            <a:avLst>
+              <a:gd name="adj1" fmla="val 50000"/>
+            </a:avLst>
+          </a:prstGeom>
+          <a:ln w="19050">
+            <a:solidFill>
+              <a:schemeClr val="tx1"/>
+            </a:solidFill>
+            <a:tailEnd type="triangle"/>
+          </a:ln>
+        </p:spPr>
+        <p:style>
+          <a:lnRef idx="1">
+            <a:schemeClr val="accent1"/>
+          </a:lnRef>
+          <a:fillRef idx="0">
+            <a:schemeClr val="accent1"/>
+          </a:fillRef>
+          <a:effectRef idx="0">
+            <a:schemeClr val="accent1"/>
+          </a:effectRef>
+          <a:fontRef idx="minor">
+            <a:schemeClr val="tx1"/>
+          </a:fontRef>
+        </p:style>
+      </p:cxnSp>
+      <p:sp>
+        <p:nvSpPr>
+          <p:cNvPr id="164" name="Textfeld 163"/>
+          <p:cNvSpPr txBox="1"/>
+          <p:nvPr/>
+        </p:nvSpPr>
+        <p:spPr>
+          <a:xfrm>
+            <a:off x="5292080" y="2996952"/>
+            <a:ext cx="505267" cy="307777"/>
+          </a:xfrm>
+          <a:prstGeom prst="rect">
+            <a:avLst/>
+          </a:prstGeom>
+          <a:noFill/>
+        </p:spPr>
+        <p:txBody>
+          <a:bodyPr wrap="none" rtlCol="0">
+            <a:spAutoFit/>
+          </a:bodyPr>
+          <a:lstStyle/>
+          <a:p>
+            <a:r>
+              <a:rPr lang="de-DE" sz="1400" dirty="0" smtClean="0"/>
+              <a:t>nein</a:t>
+            </a:r>
+          </a:p>
+        </p:txBody>
+      </p:sp>
+      <p:sp>
+        <p:nvSpPr>
+          <p:cNvPr id="165" name="Flussdiagramm: Prozess 164"/>
+          <p:cNvSpPr/>
+          <p:nvPr/>
+        </p:nvSpPr>
+        <p:spPr>
+          <a:xfrm>
+            <a:off x="3745334" y="4077072"/>
+            <a:ext cx="1512168" cy="432048"/>
+          </a:xfrm>
+          <a:prstGeom prst="flowChartProcess">
+            <a:avLst/>
+          </a:prstGeom>
+          <a:solidFill>
+            <a:schemeClr val="bg1"/>
+          </a:solidFill>
+          <a:ln w="19050">
+            <a:solidFill>
+              <a:schemeClr val="tx1"/>
+            </a:solidFill>
+          </a:ln>
+        </p:spPr>
+        <p:style>
+          <a:lnRef idx="2">
+            <a:schemeClr val="accent1">
+              <a:shade val="50000"/>
+            </a:schemeClr>
+          </a:lnRef>
+          <a:fillRef idx="1">
+            <a:schemeClr val="accent1"/>
+          </a:fillRef>
+          <a:effectRef idx="0">
+            <a:schemeClr val="accent1"/>
+          </a:effectRef>
+          <a:fontRef idx="minor">
+            <a:schemeClr val="lt1"/>
+          </a:fontRef>
+        </p:style>
+        <p:txBody>
+          <a:bodyPr rtlCol="0" anchor="ctr"/>
+          <a:lstStyle/>
+          <a:p>
+            <a:pPr algn="ctr"/>
+            <a:r>
+              <a:rPr lang="de-DE" sz="1400" dirty="0" smtClean="0">
+                <a:solidFill>
+                  <a:schemeClr val="tx1"/>
+                </a:solidFill>
+              </a:rPr>
+              <a:t>Zeige gefundene Daten</a:t>
+            </a:r>
+            <a:endParaRPr lang="de-DE" sz="1400" dirty="0">
+              <a:solidFill>
+                <a:schemeClr val="tx1"/>
+              </a:solidFill>
+            </a:endParaRPr>
+          </a:p>
+        </p:txBody>
+      </p:sp>
+      <p:sp>
+        <p:nvSpPr>
+          <p:cNvPr id="172" name="Flussdiagramm: Verzweigung 171"/>
+          <p:cNvSpPr/>
+          <p:nvPr/>
+        </p:nvSpPr>
+        <p:spPr>
+          <a:xfrm>
+            <a:off x="3419872" y="4869160"/>
+            <a:ext cx="2160240" cy="648072"/>
+          </a:xfrm>
+          <a:prstGeom prst="flowChartDecision">
+            <a:avLst/>
+          </a:prstGeom>
+          <a:solidFill>
+            <a:schemeClr val="bg1"/>
+          </a:solidFill>
+          <a:ln w="19050">
+            <a:solidFill>
+              <a:schemeClr val="tx1"/>
+            </a:solidFill>
+          </a:ln>
+        </p:spPr>
+        <p:style>
+          <a:lnRef idx="2">
+            <a:schemeClr val="accent1">
+              <a:shade val="50000"/>
+            </a:schemeClr>
+          </a:lnRef>
+          <a:fillRef idx="1">
+            <a:schemeClr val="accent1"/>
+          </a:fillRef>
+          <a:effectRef idx="0">
+            <a:schemeClr val="accent1"/>
+          </a:effectRef>
+          <a:fontRef idx="minor">
+            <a:schemeClr val="lt1"/>
+          </a:fontRef>
+        </p:style>
+        <p:txBody>
+          <a:bodyPr rtlCol="0" anchor="ctr"/>
+          <a:lstStyle/>
+          <a:p>
+            <a:pPr algn="ctr"/>
+            <a:r>
+              <a:rPr lang="de-DE" sz="1400" dirty="0" smtClean="0">
+                <a:solidFill>
+                  <a:schemeClr val="tx1"/>
+                </a:solidFill>
+              </a:rPr>
+              <a:t>2-Fragment-Ansicht</a:t>
+            </a:r>
+            <a:endParaRPr lang="de-DE" sz="1400" dirty="0">
+              <a:solidFill>
+                <a:schemeClr val="tx1"/>
+              </a:solidFill>
+            </a:endParaRPr>
+          </a:p>
+        </p:txBody>
+      </p:sp>
+      <p:cxnSp>
+        <p:nvCxnSpPr>
+          <p:cNvPr id="173" name="Gewinkelte Verbindung 172"/>
+          <p:cNvCxnSpPr>
+            <a:stCxn id="165" idx="2"/>
+            <a:endCxn id="172" idx="0"/>
+          </p:cNvCxnSpPr>
+          <p:nvPr/>
+        </p:nvCxnSpPr>
+        <p:spPr>
+          <a:xfrm rot="5400000">
+            <a:off x="4320685" y="4688427"/>
+            <a:ext cx="360040" cy="1426"/>
+          </a:xfrm>
+          <a:prstGeom prst="bentConnector3">
+            <a:avLst>
+              <a:gd name="adj1" fmla="val 50000"/>
+            </a:avLst>
+          </a:prstGeom>
+          <a:ln w="19050">
+            <a:solidFill>
+              <a:schemeClr val="tx1"/>
+            </a:solidFill>
+            <a:tailEnd type="triangle"/>
+          </a:ln>
+        </p:spPr>
+        <p:style>
+          <a:lnRef idx="1">
+            <a:schemeClr val="accent1"/>
+          </a:lnRef>
+          <a:fillRef idx="0">
+            <a:schemeClr val="accent1"/>
+          </a:fillRef>
+          <a:effectRef idx="0">
+            <a:schemeClr val="accent1"/>
+          </a:effectRef>
+          <a:fontRef idx="minor">
+            <a:schemeClr val="tx1"/>
+          </a:fontRef>
+        </p:style>
+      </p:cxnSp>
+      <p:sp>
+        <p:nvSpPr>
+          <p:cNvPr id="181" name="Flussdiagramm: Prozess 180"/>
+          <p:cNvSpPr/>
+          <p:nvPr/>
+        </p:nvSpPr>
+        <p:spPr>
+          <a:xfrm>
+            <a:off x="6012160" y="5445224"/>
+            <a:ext cx="1872208" cy="1152128"/>
+          </a:xfrm>
+          <a:prstGeom prst="flowChartProcess">
+            <a:avLst/>
+          </a:prstGeom>
+          <a:solidFill>
+            <a:schemeClr val="bg1"/>
+          </a:solidFill>
+          <a:ln w="19050">
+            <a:solidFill>
+              <a:schemeClr val="tx1"/>
+            </a:solidFill>
+          </a:ln>
+        </p:spPr>
+        <p:style>
+          <a:lnRef idx="2">
+            <a:schemeClr val="accent1">
+              <a:shade val="50000"/>
+            </a:schemeClr>
+          </a:lnRef>
+          <a:fillRef idx="1">
+            <a:schemeClr val="accent1"/>
+          </a:fillRef>
+          <a:effectRef idx="0">
+            <a:schemeClr val="accent1"/>
+          </a:effectRef>
+          <a:fontRef idx="minor">
+            <a:schemeClr val="lt1"/>
+          </a:fontRef>
+        </p:style>
+        <p:txBody>
+          <a:bodyPr rtlCol="0" anchor="ctr"/>
+          <a:lstStyle/>
+          <a:p>
+            <a:pPr algn="ctr"/>
+            <a:r>
+              <a:rPr lang="de-DE" sz="1400" dirty="0" smtClean="0">
+                <a:solidFill>
+                  <a:schemeClr val="tx1"/>
+                </a:solidFill>
+              </a:rPr>
+              <a:t>Abschlüsse und Notenliste anzeigen. Markiere und zeige ersten gefundenen Abschluss</a:t>
+            </a:r>
+            <a:endParaRPr lang="de-DE" sz="1400" dirty="0">
+              <a:solidFill>
+                <a:schemeClr val="tx1"/>
+              </a:solidFill>
+            </a:endParaRPr>
+          </a:p>
+        </p:txBody>
+      </p:sp>
+      <p:sp>
+        <p:nvSpPr>
+          <p:cNvPr id="182" name="Flussdiagramm: Prozess 181"/>
+          <p:cNvSpPr/>
+          <p:nvPr/>
+        </p:nvSpPr>
+        <p:spPr>
+          <a:xfrm>
+            <a:off x="1115616" y="5445224"/>
+            <a:ext cx="1872208" cy="432048"/>
+          </a:xfrm>
+          <a:prstGeom prst="flowChartProcess">
+            <a:avLst/>
+          </a:prstGeom>
+          <a:solidFill>
+            <a:schemeClr val="bg1"/>
+          </a:solidFill>
+          <a:ln w="19050">
+            <a:solidFill>
+              <a:schemeClr val="tx1"/>
+            </a:solidFill>
+          </a:ln>
+        </p:spPr>
+        <p:style>
+          <a:lnRef idx="2">
+            <a:schemeClr val="accent1">
+              <a:shade val="50000"/>
+            </a:schemeClr>
+          </a:lnRef>
+          <a:fillRef idx="1">
+            <a:schemeClr val="accent1"/>
+          </a:fillRef>
+          <a:effectRef idx="0">
+            <a:schemeClr val="accent1"/>
+          </a:effectRef>
+          <a:fontRef idx="minor">
+            <a:schemeClr val="lt1"/>
+          </a:fontRef>
+        </p:style>
+        <p:txBody>
+          <a:bodyPr rtlCol="0" anchor="ctr"/>
+          <a:lstStyle/>
+          <a:p>
+            <a:pPr algn="ctr"/>
+            <a:r>
+              <a:rPr lang="de-DE" sz="1400" dirty="0" smtClean="0">
+                <a:solidFill>
+                  <a:schemeClr val="tx1"/>
+                </a:solidFill>
+              </a:rPr>
+              <a:t>Zeige Liste gefundener Abschlüsse</a:t>
+            </a:r>
+            <a:endParaRPr lang="de-DE" sz="1400" dirty="0">
+              <a:solidFill>
+                <a:schemeClr val="tx1"/>
+              </a:solidFill>
+            </a:endParaRPr>
+          </a:p>
+        </p:txBody>
+      </p:sp>
+      <p:cxnSp>
+        <p:nvCxnSpPr>
+          <p:cNvPr id="183" name="Gewinkelte Verbindung 182"/>
+          <p:cNvCxnSpPr>
+            <a:stCxn id="172" idx="3"/>
+            <a:endCxn id="181" idx="0"/>
+          </p:cNvCxnSpPr>
+          <p:nvPr/>
+        </p:nvCxnSpPr>
+        <p:spPr>
+          <a:xfrm>
+            <a:off x="5580112" y="5193196"/>
+            <a:ext cx="1368152" cy="252028"/>
+          </a:xfrm>
+          <a:prstGeom prst="bentConnector2">
+            <a:avLst/>
+          </a:prstGeom>
+          <a:ln w="19050">
+            <a:solidFill>
+              <a:schemeClr val="tx1"/>
+            </a:solidFill>
+            <a:tailEnd type="triangle"/>
+          </a:ln>
+        </p:spPr>
+        <p:style>
+          <a:lnRef idx="1">
+            <a:schemeClr val="accent1"/>
+          </a:lnRef>
+          <a:fillRef idx="0">
+            <a:schemeClr val="accent1"/>
+          </a:fillRef>
+          <a:effectRef idx="0">
+            <a:schemeClr val="accent1"/>
+          </a:effectRef>
+          <a:fontRef idx="minor">
+            <a:schemeClr val="tx1"/>
+          </a:fontRef>
+        </p:style>
+      </p:cxnSp>
+      <p:cxnSp>
+        <p:nvCxnSpPr>
+          <p:cNvPr id="186" name="Gewinkelte Verbindung 182"/>
+          <p:cNvCxnSpPr>
+            <a:stCxn id="172" idx="1"/>
+            <a:endCxn id="182" idx="0"/>
+          </p:cNvCxnSpPr>
+          <p:nvPr/>
+        </p:nvCxnSpPr>
+        <p:spPr>
+          <a:xfrm rot="10800000" flipV="1">
+            <a:off x="2051720" y="5193196"/>
+            <a:ext cx="1368152" cy="252028"/>
+          </a:xfrm>
+          <a:prstGeom prst="bentConnector2">
+            <a:avLst/>
+          </a:prstGeom>
+          <a:ln w="19050">
+            <a:solidFill>
+              <a:schemeClr val="tx1"/>
+            </a:solidFill>
+            <a:tailEnd type="triangle"/>
+          </a:ln>
+        </p:spPr>
+        <p:style>
+          <a:lnRef idx="1">
+            <a:schemeClr val="accent1"/>
+          </a:lnRef>
+          <a:fillRef idx="0">
+            <a:schemeClr val="accent1"/>
+          </a:fillRef>
+          <a:effectRef idx="0">
+            <a:schemeClr val="accent1"/>
+          </a:effectRef>
+          <a:fontRef idx="minor">
+            <a:schemeClr val="tx1"/>
+          </a:fontRef>
+        </p:style>
+      </p:cxnSp>
+      <p:sp>
+        <p:nvSpPr>
+          <p:cNvPr id="194" name="Textfeld 193"/>
+          <p:cNvSpPr txBox="1"/>
+          <p:nvPr/>
+        </p:nvSpPr>
+        <p:spPr>
+          <a:xfrm>
+            <a:off x="2555776" y="4869160"/>
+            <a:ext cx="505267" cy="307777"/>
+          </a:xfrm>
+          <a:prstGeom prst="rect">
+            <a:avLst/>
+          </a:prstGeom>
+          <a:noFill/>
+        </p:spPr>
+        <p:txBody>
+          <a:bodyPr wrap="none" rtlCol="0">
+            <a:spAutoFit/>
+          </a:bodyPr>
+          <a:lstStyle/>
+          <a:p>
+            <a:r>
+              <a:rPr lang="de-DE" sz="1400" dirty="0" smtClean="0"/>
+              <a:t>nein</a:t>
+            </a:r>
+          </a:p>
+        </p:txBody>
+      </p:sp>
+      <p:sp>
+        <p:nvSpPr>
+          <p:cNvPr id="195" name="Textfeld 194"/>
+          <p:cNvSpPr txBox="1"/>
+          <p:nvPr/>
+        </p:nvSpPr>
+        <p:spPr>
+          <a:xfrm>
+            <a:off x="6012160" y="4869160"/>
+            <a:ext cx="314510" cy="307777"/>
+          </a:xfrm>
+          <a:prstGeom prst="rect">
+            <a:avLst/>
+          </a:prstGeom>
+          <a:noFill/>
+        </p:spPr>
+        <p:txBody>
+          <a:bodyPr wrap="none" rtlCol="0">
+            <a:spAutoFit/>
+          </a:bodyPr>
+          <a:lstStyle/>
+          <a:p>
+            <a:r>
+              <a:rPr lang="de-DE" sz="1400" dirty="0" smtClean="0"/>
+              <a:t>ja</a:t>
+            </a:r>
+            <a:endParaRPr lang="de-DE" sz="1400" dirty="0"/>
           </a:p>
         </p:txBody>
       </p:sp>

--- a/docs/notenapp.pptx
+++ b/docs/notenapp.pptx
@@ -291,7 +291,7 @@
             <a:fld id="{F0B96F50-2E74-4531-A9D7-82F060543DE4}" type="datetimeFigureOut">
               <a:rPr lang="de-DE" smtClean="0"/>
               <a:pPr/>
-              <a:t>04.01.2013</a:t>
+              <a:t>05.01.2013</a:t>
             </a:fld>
             <a:endParaRPr lang="de-DE"/>
           </a:p>
@@ -458,7 +458,7 @@
             <a:fld id="{F0B96F50-2E74-4531-A9D7-82F060543DE4}" type="datetimeFigureOut">
               <a:rPr lang="de-DE" smtClean="0"/>
               <a:pPr/>
-              <a:t>04.01.2013</a:t>
+              <a:t>05.01.2013</a:t>
             </a:fld>
             <a:endParaRPr lang="de-DE"/>
           </a:p>
@@ -635,7 +635,7 @@
             <a:fld id="{F0B96F50-2E74-4531-A9D7-82F060543DE4}" type="datetimeFigureOut">
               <a:rPr lang="de-DE" smtClean="0"/>
               <a:pPr/>
-              <a:t>04.01.2013</a:t>
+              <a:t>05.01.2013</a:t>
             </a:fld>
             <a:endParaRPr lang="de-DE"/>
           </a:p>
@@ -802,7 +802,7 @@
             <a:fld id="{F0B96F50-2E74-4531-A9D7-82F060543DE4}" type="datetimeFigureOut">
               <a:rPr lang="de-DE" smtClean="0"/>
               <a:pPr/>
-              <a:t>04.01.2013</a:t>
+              <a:t>05.01.2013</a:t>
             </a:fld>
             <a:endParaRPr lang="de-DE"/>
           </a:p>
@@ -1045,7 +1045,7 @@
             <a:fld id="{F0B96F50-2E74-4531-A9D7-82F060543DE4}" type="datetimeFigureOut">
               <a:rPr lang="de-DE" smtClean="0"/>
               <a:pPr/>
-              <a:t>04.01.2013</a:t>
+              <a:t>05.01.2013</a:t>
             </a:fld>
             <a:endParaRPr lang="de-DE"/>
           </a:p>
@@ -1330,7 +1330,7 @@
             <a:fld id="{F0B96F50-2E74-4531-A9D7-82F060543DE4}" type="datetimeFigureOut">
               <a:rPr lang="de-DE" smtClean="0"/>
               <a:pPr/>
-              <a:t>04.01.2013</a:t>
+              <a:t>05.01.2013</a:t>
             </a:fld>
             <a:endParaRPr lang="de-DE"/>
           </a:p>
@@ -1749,7 +1749,7 @@
             <a:fld id="{F0B96F50-2E74-4531-A9D7-82F060543DE4}" type="datetimeFigureOut">
               <a:rPr lang="de-DE" smtClean="0"/>
               <a:pPr/>
-              <a:t>04.01.2013</a:t>
+              <a:t>05.01.2013</a:t>
             </a:fld>
             <a:endParaRPr lang="de-DE"/>
           </a:p>
@@ -1864,7 +1864,7 @@
             <a:fld id="{F0B96F50-2E74-4531-A9D7-82F060543DE4}" type="datetimeFigureOut">
               <a:rPr lang="de-DE" smtClean="0"/>
               <a:pPr/>
-              <a:t>04.01.2013</a:t>
+              <a:t>05.01.2013</a:t>
             </a:fld>
             <a:endParaRPr lang="de-DE"/>
           </a:p>
@@ -1956,7 +1956,7 @@
             <a:fld id="{F0B96F50-2E74-4531-A9D7-82F060543DE4}" type="datetimeFigureOut">
               <a:rPr lang="de-DE" smtClean="0"/>
               <a:pPr/>
-              <a:t>04.01.2013</a:t>
+              <a:t>05.01.2013</a:t>
             </a:fld>
             <a:endParaRPr lang="de-DE"/>
           </a:p>
@@ -2230,7 +2230,7 @@
             <a:fld id="{F0B96F50-2E74-4531-A9D7-82F060543DE4}" type="datetimeFigureOut">
               <a:rPr lang="de-DE" smtClean="0"/>
               <a:pPr/>
-              <a:t>04.01.2013</a:t>
+              <a:t>05.01.2013</a:t>
             </a:fld>
             <a:endParaRPr lang="de-DE"/>
           </a:p>
@@ -2480,7 +2480,7 @@
             <a:fld id="{F0B96F50-2E74-4531-A9D7-82F060543DE4}" type="datetimeFigureOut">
               <a:rPr lang="de-DE" smtClean="0"/>
               <a:pPr/>
-              <a:t>04.01.2013</a:t>
+              <a:t>05.01.2013</a:t>
             </a:fld>
             <a:endParaRPr lang="de-DE"/>
           </a:p>
@@ -2690,7 +2690,7 @@
             <a:fld id="{F0B96F50-2E74-4531-A9D7-82F060543DE4}" type="datetimeFigureOut">
               <a:rPr lang="de-DE" smtClean="0"/>
               <a:pPr/>
-              <a:t>04.01.2013</a:t>
+              <a:t>05.01.2013</a:t>
             </a:fld>
             <a:endParaRPr lang="de-DE"/>
           </a:p>
@@ -8151,8 +8151,8 @@
         </p:nvSpPr>
         <p:spPr>
           <a:xfrm>
-            <a:off x="1799263" y="301625"/>
-            <a:ext cx="720080" cy="288032"/>
+            <a:off x="8028384" y="188640"/>
+            <a:ext cx="692385" cy="216024"/>
           </a:xfrm>
           <a:prstGeom prst="flowChartTerminator">
             <a:avLst/>
@@ -8188,14 +8188,14 @@
           <a:p>
             <a:pPr algn="ctr"/>
             <a:r>
-              <a:rPr lang="de-DE" sz="1400" dirty="0" smtClean="0">
+              <a:rPr lang="de-DE" sz="1200" dirty="0" smtClean="0">
                 <a:solidFill>
                   <a:schemeClr val="tx1"/>
                 </a:solidFill>
               </a:rPr>
               <a:t>Start</a:t>
             </a:r>
-            <a:endParaRPr lang="de-DE" sz="1400" dirty="0">
+            <a:endParaRPr lang="de-DE" sz="1200" dirty="0">
               <a:solidFill>
                 <a:schemeClr val="tx1"/>
               </a:solidFill>
@@ -8271,8 +8271,8 @@
         </p:nvSpPr>
         <p:spPr>
           <a:xfrm>
-            <a:off x="1367136" y="908720"/>
-            <a:ext cx="1584176" cy="504056"/>
+            <a:off x="1680095" y="785814"/>
+            <a:ext cx="1523246" cy="378042"/>
           </a:xfrm>
           <a:prstGeom prst="flowChartProcess">
             <a:avLst/>
@@ -8308,7 +8308,7 @@
           <a:p>
             <a:pPr algn="ctr"/>
             <a:r>
-              <a:rPr lang="de-DE" sz="1400" dirty="0" smtClean="0">
+              <a:rPr lang="de-DE" sz="1200" dirty="0" smtClean="0">
                 <a:solidFill>
                   <a:schemeClr val="tx1"/>
                 </a:solidFill>
@@ -8316,14 +8316,14 @@
               <a:t>Initialisiere Abschlüsse-</a:t>
             </a:r>
             <a:r>
-              <a:rPr lang="de-DE" sz="1400" dirty="0" err="1" smtClean="0">
+              <a:rPr lang="de-DE" sz="1200" dirty="0" err="1" smtClean="0">
                 <a:solidFill>
                   <a:schemeClr val="tx1"/>
                 </a:solidFill>
               </a:rPr>
               <a:t>Activity</a:t>
             </a:r>
-            <a:endParaRPr lang="de-DE" sz="1400" dirty="0">
+            <a:endParaRPr lang="de-DE" sz="1200" dirty="0">
               <a:solidFill>
                 <a:schemeClr val="tx1"/>
               </a:solidFill>
@@ -8493,14 +8493,13 @@
           <p:cNvPr id="18" name="Gewinkelte Verbindung 17"/>
           <p:cNvCxnSpPr>
             <a:stCxn id="8" idx="2"/>
-            <a:endCxn id="10" idx="0"/>
           </p:cNvCxnSpPr>
           <p:nvPr/>
         </p:nvCxnSpPr>
         <p:spPr>
-          <a:xfrm rot="5400000">
-            <a:off x="1999733" y="749149"/>
-            <a:ext cx="319063" cy="79"/>
+          <a:xfrm rot="16200000" flipH="1">
+            <a:off x="8312193" y="467048"/>
+            <a:ext cx="247057" cy="122288"/>
           </a:xfrm>
           <a:prstGeom prst="bentConnector3">
             <a:avLst>
@@ -8537,8 +8536,8 @@
         </p:nvSpPr>
         <p:spPr>
           <a:xfrm>
-            <a:off x="1006525" y="1844824"/>
-            <a:ext cx="2304256" cy="864096"/>
+            <a:off x="1331640" y="1556792"/>
+            <a:ext cx="2215631" cy="648072"/>
           </a:xfrm>
           <a:prstGeom prst="flowChartDecision">
             <a:avLst/>
@@ -8574,14 +8573,14 @@
           <a:p>
             <a:pPr algn="ctr"/>
             <a:r>
-              <a:rPr lang="de-DE" sz="1400" dirty="0" smtClean="0">
+              <a:rPr lang="de-DE" sz="1200" dirty="0" smtClean="0">
                 <a:solidFill>
                   <a:schemeClr val="tx1"/>
                 </a:solidFill>
               </a:rPr>
               <a:t>Nutzer &amp; Passwort vorhanden</a:t>
             </a:r>
-            <a:endParaRPr lang="de-DE" sz="1400" dirty="0">
+            <a:endParaRPr lang="de-DE" sz="1200" dirty="0">
               <a:solidFill>
                 <a:schemeClr val="tx1"/>
               </a:solidFill>
@@ -8600,8 +8599,8 @@
         </p:nvCxnSpPr>
         <p:spPr>
           <a:xfrm rot="5400000">
-            <a:off x="1942915" y="1628515"/>
-            <a:ext cx="432048" cy="571"/>
+            <a:off x="2244119" y="1359193"/>
+            <a:ext cx="392936" cy="2262"/>
           </a:xfrm>
           <a:prstGeom prst="bentConnector3">
             <a:avLst>
@@ -8638,8 +8637,8 @@
         </p:nvSpPr>
         <p:spPr>
           <a:xfrm>
-            <a:off x="3923928" y="2096751"/>
-            <a:ext cx="1152128" cy="360040"/>
+            <a:off x="3911352" y="1744502"/>
+            <a:ext cx="1107815" cy="270030"/>
           </a:xfrm>
           <a:prstGeom prst="flowChartProcess">
             <a:avLst/>
@@ -8675,14 +8674,14 @@
           <a:p>
             <a:pPr algn="ctr"/>
             <a:r>
-              <a:rPr lang="de-DE" sz="1400" dirty="0" smtClean="0">
+              <a:rPr lang="de-DE" sz="1200" dirty="0" smtClean="0">
                 <a:solidFill>
                   <a:schemeClr val="tx1"/>
                 </a:solidFill>
               </a:rPr>
               <a:t>Aktualisieren</a:t>
             </a:r>
-            <a:endParaRPr lang="de-DE" sz="1400" dirty="0">
+            <a:endParaRPr lang="de-DE" sz="1200" dirty="0">
               <a:solidFill>
                 <a:schemeClr val="tx1"/>
               </a:solidFill>
@@ -8701,8 +8700,8 @@
         </p:nvCxnSpPr>
         <p:spPr>
           <a:xfrm flipV="1">
-            <a:off x="3310781" y="2276771"/>
-            <a:ext cx="613147" cy="101"/>
+            <a:off x="3547271" y="1879517"/>
+            <a:ext cx="364081" cy="1311"/>
           </a:xfrm>
           <a:prstGeom prst="bentConnector3">
             <a:avLst>
@@ -8739,8 +8738,8 @@
         </p:nvSpPr>
         <p:spPr>
           <a:xfrm>
-            <a:off x="5652120" y="1988914"/>
-            <a:ext cx="2160240" cy="576064"/>
+            <a:off x="5686053" y="1680095"/>
+            <a:ext cx="1838275" cy="395963"/>
           </a:xfrm>
           <a:prstGeom prst="flowChartPredefinedProcess">
             <a:avLst/>
@@ -8776,7 +8775,7 @@
           <a:p>
             <a:pPr algn="ctr"/>
             <a:r>
-              <a:rPr lang="de-DE" sz="1400" dirty="0" smtClean="0">
+              <a:rPr lang="de-DE" sz="1200" dirty="0" smtClean="0">
                 <a:solidFill>
                   <a:schemeClr val="tx1"/>
                 </a:solidFill>
@@ -8787,14 +8786,14 @@
           <a:p>
             <a:pPr algn="ctr"/>
             <a:r>
-              <a:rPr lang="de-DE" sz="1400" dirty="0" smtClean="0">
+              <a:rPr lang="de-DE" sz="1200" dirty="0" smtClean="0">
                 <a:solidFill>
                   <a:schemeClr val="tx1"/>
                 </a:solidFill>
               </a:rPr>
               <a:t>QIS-Server-Anfrage</a:t>
             </a:r>
-            <a:endParaRPr lang="de-DE" sz="1400" dirty="0">
+            <a:endParaRPr lang="de-DE" sz="1200" dirty="0">
               <a:solidFill>
                 <a:schemeClr val="tx1"/>
               </a:solidFill>
@@ -8812,9 +8811,9 @@
           <p:nvPr/>
         </p:nvCxnSpPr>
         <p:spPr>
-          <a:xfrm>
-            <a:off x="5076056" y="2276771"/>
-            <a:ext cx="576064" cy="175"/>
+          <a:xfrm flipV="1">
+            <a:off x="5019167" y="1878077"/>
+            <a:ext cx="666886" cy="1440"/>
           </a:xfrm>
           <a:prstGeom prst="bentConnector3">
             <a:avLst>
@@ -8851,8 +8850,8 @@
         </p:nvSpPr>
         <p:spPr>
           <a:xfrm>
-            <a:off x="1313681" y="3088382"/>
-            <a:ext cx="1693168" cy="504056"/>
+            <a:off x="1624930" y="2636912"/>
+            <a:ext cx="1628046" cy="374679"/>
           </a:xfrm>
           <a:prstGeom prst="flowChartProcess">
             <a:avLst/>
@@ -8888,7 +8887,7 @@
           <a:p>
             <a:pPr algn="ctr"/>
             <a:r>
-              <a:rPr lang="de-DE" sz="1400" dirty="0" smtClean="0">
+              <a:rPr lang="de-DE" sz="1200" dirty="0" smtClean="0">
                 <a:solidFill>
                   <a:schemeClr val="tx1"/>
                 </a:solidFill>
@@ -8896,14 +8895,14 @@
               <a:t>Aktiviere Einstellungs-</a:t>
             </a:r>
             <a:r>
-              <a:rPr lang="de-DE" sz="1400" dirty="0" err="1" smtClean="0">
+              <a:rPr lang="de-DE" sz="1200" dirty="0" err="1" smtClean="0">
                 <a:solidFill>
                   <a:schemeClr val="tx1"/>
                 </a:solidFill>
               </a:rPr>
               <a:t>Activity</a:t>
             </a:r>
-            <a:endParaRPr lang="de-DE" sz="1400" dirty="0">
+            <a:endParaRPr lang="de-DE" sz="1200" dirty="0">
               <a:solidFill>
                 <a:schemeClr val="tx1"/>
               </a:solidFill>
@@ -8921,9 +8920,9 @@
           <p:nvPr/>
         </p:nvCxnSpPr>
         <p:spPr>
-          <a:xfrm rot="16200000" flipH="1">
-            <a:off x="1969728" y="2897845"/>
-            <a:ext cx="379462" cy="1612"/>
+          <a:xfrm rot="5400000">
+            <a:off x="2223181" y="2420637"/>
+            <a:ext cx="432048" cy="503"/>
           </a:xfrm>
           <a:prstGeom prst="bentConnector3">
             <a:avLst>
@@ -8963,12 +8962,12 @@
         </p:nvCxnSpPr>
         <p:spPr>
           <a:xfrm rot="10800000">
-            <a:off x="1006525" y="2276872"/>
-            <a:ext cx="307156" cy="1063538"/>
+            <a:off x="1331640" y="1880828"/>
+            <a:ext cx="293290" cy="943424"/>
           </a:xfrm>
           <a:prstGeom prst="bentConnector3">
             <a:avLst>
-              <a:gd name="adj1" fmla="val 174425"/>
+              <a:gd name="adj1" fmla="val 177943"/>
             </a:avLst>
           </a:prstGeom>
           <a:ln w="19050">
@@ -9001,8 +9000,8 @@
         </p:nvSpPr>
         <p:spPr>
           <a:xfrm>
-            <a:off x="2123728" y="2708920"/>
-            <a:ext cx="505267" cy="307777"/>
+            <a:off x="2411760" y="2276872"/>
+            <a:ext cx="576064" cy="276999"/>
           </a:xfrm>
           <a:prstGeom prst="rect">
             <a:avLst/>
@@ -9010,13 +9009,13 @@
           <a:noFill/>
         </p:spPr>
         <p:txBody>
-          <a:bodyPr wrap="none" rtlCol="0">
+          <a:bodyPr wrap="square" rtlCol="0">
             <a:spAutoFit/>
           </a:bodyPr>
           <a:lstStyle/>
           <a:p>
             <a:r>
-              <a:rPr lang="de-DE" sz="1400" dirty="0" smtClean="0"/>
+              <a:rPr lang="de-DE" sz="1200" dirty="0" smtClean="0"/>
               <a:t>nein</a:t>
             </a:r>
           </a:p>
@@ -9030,8 +9029,8 @@
         </p:nvSpPr>
         <p:spPr>
           <a:xfrm>
-            <a:off x="3491880" y="1988840"/>
-            <a:ext cx="314510" cy="307777"/>
+            <a:off x="3491880" y="1844825"/>
+            <a:ext cx="360040" cy="276999"/>
           </a:xfrm>
           <a:prstGeom prst="rect">
             <a:avLst/>
@@ -9039,16 +9038,16 @@
           <a:noFill/>
         </p:spPr>
         <p:txBody>
-          <a:bodyPr wrap="none" rtlCol="0">
+          <a:bodyPr wrap="square" rtlCol="0">
             <a:spAutoFit/>
           </a:bodyPr>
           <a:lstStyle/>
           <a:p>
             <a:r>
-              <a:rPr lang="de-DE" sz="1400" dirty="0" smtClean="0"/>
+              <a:rPr lang="de-DE" sz="1200" dirty="0" smtClean="0"/>
               <a:t>ja</a:t>
             </a:r>
-            <a:endParaRPr lang="de-DE" sz="1400" dirty="0"/>
+            <a:endParaRPr lang="de-DE" sz="1200" dirty="0"/>
           </a:p>
         </p:txBody>
       </p:sp>
@@ -9060,8 +9059,8 @@
         </p:nvSpPr>
         <p:spPr>
           <a:xfrm>
-            <a:off x="3618756" y="2970659"/>
-            <a:ext cx="1764382" cy="648072"/>
+            <a:off x="3618756" y="2610621"/>
+            <a:ext cx="1696521" cy="486054"/>
           </a:xfrm>
           <a:prstGeom prst="flowChartDecision">
             <a:avLst/>
@@ -9097,14 +9096,14 @@
           <a:p>
             <a:pPr algn="ctr"/>
             <a:r>
-              <a:rPr lang="de-DE" sz="1400" dirty="0" smtClean="0">
+              <a:rPr lang="de-DE" sz="1200" dirty="0" smtClean="0">
                 <a:solidFill>
                   <a:schemeClr val="tx1"/>
                 </a:solidFill>
               </a:rPr>
               <a:t>Daten gefunden</a:t>
             </a:r>
-            <a:endParaRPr lang="de-DE" sz="1400" dirty="0">
+            <a:endParaRPr lang="de-DE" sz="1200" dirty="0">
               <a:solidFill>
                 <a:schemeClr val="tx1"/>
               </a:solidFill>
@@ -9123,8 +9122,8 @@
         </p:nvCxnSpPr>
         <p:spPr>
           <a:xfrm rot="16200000" flipH="1">
-            <a:off x="4243535" y="2713247"/>
-            <a:ext cx="513868" cy="955"/>
+            <a:off x="4168094" y="2311697"/>
+            <a:ext cx="596089" cy="1757"/>
           </a:xfrm>
           <a:prstGeom prst="bentConnector3">
             <a:avLst>
@@ -9164,8 +9163,8 @@
         </p:nvCxnSpPr>
         <p:spPr>
           <a:xfrm rot="16200000" flipH="1">
-            <a:off x="4272012" y="3847665"/>
-            <a:ext cx="458341" cy="471"/>
+            <a:off x="4262749" y="3300943"/>
+            <a:ext cx="409095" cy="558"/>
           </a:xfrm>
           <a:prstGeom prst="bentConnector3">
             <a:avLst>
@@ -9202,8 +9201,8 @@
         </p:nvSpPr>
         <p:spPr>
           <a:xfrm>
-            <a:off x="4473514" y="3645024"/>
-            <a:ext cx="314510" cy="307777"/>
+            <a:off x="4427984" y="3140969"/>
+            <a:ext cx="432048" cy="276999"/>
           </a:xfrm>
           <a:prstGeom prst="rect">
             <a:avLst/>
@@ -9211,16 +9210,16 @@
           <a:noFill/>
         </p:spPr>
         <p:txBody>
-          <a:bodyPr wrap="none" rtlCol="0">
+          <a:bodyPr wrap="square" rtlCol="0">
             <a:spAutoFit/>
           </a:bodyPr>
           <a:lstStyle/>
           <a:p>
             <a:r>
-              <a:rPr lang="de-DE" sz="1400" dirty="0" smtClean="0"/>
+              <a:rPr lang="de-DE" sz="1200" dirty="0" smtClean="0"/>
               <a:t>ja</a:t>
             </a:r>
-            <a:endParaRPr lang="de-DE" sz="1400" dirty="0"/>
+            <a:endParaRPr lang="de-DE" sz="1200" dirty="0"/>
           </a:p>
         </p:txBody>
       </p:sp>
@@ -9232,8 +9231,8 @@
         </p:nvSpPr>
         <p:spPr>
           <a:xfrm>
-            <a:off x="5940152" y="3078485"/>
-            <a:ext cx="1656184" cy="432048"/>
+            <a:off x="5940152" y="2674421"/>
+            <a:ext cx="1592485" cy="356440"/>
           </a:xfrm>
           <a:prstGeom prst="flowChartProcess">
             <a:avLst/>
@@ -9269,14 +9268,14 @@
           <a:p>
             <a:pPr algn="ctr"/>
             <a:r>
-              <a:rPr lang="de-DE" sz="1400" dirty="0" smtClean="0">
+              <a:rPr lang="de-DE" sz="1200" dirty="0" smtClean="0">
                 <a:solidFill>
                   <a:schemeClr val="tx1"/>
                 </a:solidFill>
               </a:rPr>
               <a:t>Aktualisierungs-Fragment anzeigen</a:t>
             </a:r>
-            <a:endParaRPr lang="de-DE" sz="1400" dirty="0">
+            <a:endParaRPr lang="de-DE" sz="1200" dirty="0">
               <a:solidFill>
                 <a:schemeClr val="tx1"/>
               </a:solidFill>
@@ -9295,8 +9294,8 @@
         </p:nvCxnSpPr>
         <p:spPr>
           <a:xfrm flipV="1">
-            <a:off x="5383138" y="3294509"/>
-            <a:ext cx="557014" cy="186"/>
+            <a:off x="5315277" y="2852641"/>
+            <a:ext cx="624875" cy="1007"/>
           </a:xfrm>
           <a:prstGeom prst="bentConnector3">
             <a:avLst>
@@ -9333,8 +9332,8 @@
         </p:nvSpPr>
         <p:spPr>
           <a:xfrm>
-            <a:off x="5292080" y="2996952"/>
-            <a:ext cx="505267" cy="307777"/>
+            <a:off x="5292080" y="2636914"/>
+            <a:ext cx="576064" cy="276999"/>
           </a:xfrm>
           <a:prstGeom prst="rect">
             <a:avLst/>
@@ -9342,13 +9341,13 @@
           <a:noFill/>
         </p:spPr>
         <p:txBody>
-          <a:bodyPr wrap="none" rtlCol="0">
+          <a:bodyPr wrap="square" rtlCol="0">
             <a:spAutoFit/>
           </a:bodyPr>
           <a:lstStyle/>
           <a:p>
             <a:r>
-              <a:rPr lang="de-DE" sz="1400" dirty="0" smtClean="0"/>
+              <a:rPr lang="de-DE" sz="1200" dirty="0" smtClean="0"/>
               <a:t>nein</a:t>
             </a:r>
           </a:p>
@@ -9362,8 +9361,8 @@
         </p:nvSpPr>
         <p:spPr>
           <a:xfrm>
-            <a:off x="3745334" y="4077072"/>
-            <a:ext cx="1512168" cy="432048"/>
+            <a:off x="3740571" y="3505770"/>
+            <a:ext cx="1454008" cy="360040"/>
           </a:xfrm>
           <a:prstGeom prst="flowChartProcess">
             <a:avLst/>
@@ -9399,14 +9398,14 @@
           <a:p>
             <a:pPr algn="ctr"/>
             <a:r>
-              <a:rPr lang="de-DE" sz="1400" dirty="0" smtClean="0">
+              <a:rPr lang="de-DE" sz="1200" dirty="0" smtClean="0">
                 <a:solidFill>
                   <a:schemeClr val="tx1"/>
                 </a:solidFill>
               </a:rPr>
               <a:t>Zeige gefundene Daten</a:t>
             </a:r>
-            <a:endParaRPr lang="de-DE" sz="1400" dirty="0">
+            <a:endParaRPr lang="de-DE" sz="1200" dirty="0">
               <a:solidFill>
                 <a:schemeClr val="tx1"/>
               </a:solidFill>
@@ -9422,8 +9421,8 @@
         </p:nvSpPr>
         <p:spPr>
           <a:xfrm>
-            <a:off x="3419872" y="4869160"/>
-            <a:ext cx="2160240" cy="648072"/>
+            <a:off x="3430737" y="4228159"/>
+            <a:ext cx="2077154" cy="486054"/>
           </a:xfrm>
           <a:prstGeom prst="flowChartDecision">
             <a:avLst/>
@@ -9459,14 +9458,14 @@
           <a:p>
             <a:pPr algn="ctr"/>
             <a:r>
-              <a:rPr lang="de-DE" sz="1400" dirty="0" smtClean="0">
+              <a:rPr lang="de-DE" sz="1200" dirty="0" smtClean="0">
                 <a:solidFill>
                   <a:schemeClr val="tx1"/>
                 </a:solidFill>
               </a:rPr>
               <a:t>2-Fragment-Ansicht</a:t>
             </a:r>
-            <a:endParaRPr lang="de-DE" sz="1400" dirty="0">
+            <a:endParaRPr lang="de-DE" sz="1200" dirty="0">
               <a:solidFill>
                 <a:schemeClr val="tx1"/>
               </a:solidFill>
@@ -9484,9 +9483,9 @@
           <p:nvPr/>
         </p:nvCxnSpPr>
         <p:spPr>
-          <a:xfrm rot="5400000">
-            <a:off x="4320685" y="4688427"/>
-            <a:ext cx="360040" cy="1426"/>
+          <a:xfrm rot="16200000" flipH="1">
+            <a:off x="4287270" y="4046114"/>
+            <a:ext cx="362349" cy="1739"/>
           </a:xfrm>
           <a:prstGeom prst="bentConnector3">
             <a:avLst>
@@ -9523,8 +9522,8 @@
         </p:nvSpPr>
         <p:spPr>
           <a:xfrm>
-            <a:off x="6012160" y="5445224"/>
-            <a:ext cx="1872208" cy="1152128"/>
+            <a:off x="5724128" y="4797152"/>
+            <a:ext cx="1800200" cy="792088"/>
           </a:xfrm>
           <a:prstGeom prst="flowChartProcess">
             <a:avLst/>
@@ -9560,14 +9559,14 @@
           <a:p>
             <a:pPr algn="ctr"/>
             <a:r>
-              <a:rPr lang="de-DE" sz="1400" dirty="0" smtClean="0">
+              <a:rPr lang="de-DE" sz="1200" dirty="0" smtClean="0">
                 <a:solidFill>
                   <a:schemeClr val="tx1"/>
                 </a:solidFill>
               </a:rPr>
               <a:t>Abschlüsse und Notenliste anzeigen. Markiere und zeige ersten gefundenen Abschluss</a:t>
             </a:r>
-            <a:endParaRPr lang="de-DE" sz="1400" dirty="0">
+            <a:endParaRPr lang="de-DE" sz="1200" dirty="0">
               <a:solidFill>
                 <a:schemeClr val="tx1"/>
               </a:solidFill>
@@ -9583,8 +9582,8 @@
         </p:nvSpPr>
         <p:spPr>
           <a:xfrm>
-            <a:off x="1115616" y="5445224"/>
-            <a:ext cx="1872208" cy="432048"/>
+            <a:off x="1259632" y="4797152"/>
+            <a:ext cx="1800200" cy="356440"/>
           </a:xfrm>
           <a:prstGeom prst="flowChartProcess">
             <a:avLst/>
@@ -9620,14 +9619,14 @@
           <a:p>
             <a:pPr algn="ctr"/>
             <a:r>
-              <a:rPr lang="de-DE" sz="1400" dirty="0" smtClean="0">
+              <a:rPr lang="de-DE" sz="1200" dirty="0" smtClean="0">
                 <a:solidFill>
                   <a:schemeClr val="tx1"/>
                 </a:solidFill>
               </a:rPr>
               <a:t>Zeige Liste gefundener Abschlüsse</a:t>
             </a:r>
-            <a:endParaRPr lang="de-DE" sz="1400" dirty="0">
+            <a:endParaRPr lang="de-DE" sz="1200" dirty="0">
               <a:solidFill>
                 <a:schemeClr val="tx1"/>
               </a:solidFill>
@@ -9646,8 +9645,8 @@
         </p:nvCxnSpPr>
         <p:spPr>
           <a:xfrm>
-            <a:off x="5580112" y="5193196"/>
-            <a:ext cx="1368152" cy="252028"/>
+            <a:off x="5507891" y="4471186"/>
+            <a:ext cx="1116337" cy="325966"/>
           </a:xfrm>
           <a:prstGeom prst="bentConnector2">
             <a:avLst/>
@@ -9685,8 +9684,8 @@
         </p:nvCxnSpPr>
         <p:spPr>
           <a:xfrm rot="10800000" flipV="1">
-            <a:off x="2051720" y="5193196"/>
-            <a:ext cx="1368152" cy="252028"/>
+            <a:off x="2159733" y="4471186"/>
+            <a:ext cx="1271005" cy="325966"/>
           </a:xfrm>
           <a:prstGeom prst="bentConnector2">
             <a:avLst/>
@@ -9721,8 +9720,8 @@
         </p:nvSpPr>
         <p:spPr>
           <a:xfrm>
-            <a:off x="2555776" y="4869160"/>
-            <a:ext cx="505267" cy="307777"/>
+            <a:off x="2555776" y="4221089"/>
+            <a:ext cx="504056" cy="276999"/>
           </a:xfrm>
           <a:prstGeom prst="rect">
             <a:avLst/>
@@ -9730,13 +9729,13 @@
           <a:noFill/>
         </p:spPr>
         <p:txBody>
-          <a:bodyPr wrap="none" rtlCol="0">
+          <a:bodyPr wrap="square" rtlCol="0">
             <a:spAutoFit/>
           </a:bodyPr>
           <a:lstStyle/>
           <a:p>
             <a:r>
-              <a:rPr lang="de-DE" sz="1400" dirty="0" smtClean="0"/>
+              <a:rPr lang="de-DE" sz="1200" dirty="0" smtClean="0"/>
               <a:t>nein</a:t>
             </a:r>
           </a:p>
@@ -9750,8 +9749,8 @@
         </p:nvSpPr>
         <p:spPr>
           <a:xfrm>
-            <a:off x="6012160" y="4869160"/>
-            <a:ext cx="314510" cy="307777"/>
+            <a:off x="6012160" y="4221089"/>
+            <a:ext cx="432048" cy="276999"/>
           </a:xfrm>
           <a:prstGeom prst="rect">
             <a:avLst/>
@@ -9759,16 +9758,16 @@
           <a:noFill/>
         </p:spPr>
         <p:txBody>
-          <a:bodyPr wrap="none" rtlCol="0">
+          <a:bodyPr wrap="square" rtlCol="0">
             <a:spAutoFit/>
           </a:bodyPr>
           <a:lstStyle/>
           <a:p>
             <a:r>
-              <a:rPr lang="de-DE" sz="1400" dirty="0" smtClean="0"/>
+              <a:rPr lang="de-DE" sz="1200" dirty="0" smtClean="0"/>
               <a:t>ja</a:t>
             </a:r>
-            <a:endParaRPr lang="de-DE" sz="1400" dirty="0"/>
+            <a:endParaRPr lang="de-DE" sz="1200" dirty="0"/>
           </a:p>
         </p:txBody>
       </p:sp>

--- a/docs/notenapp.pptx
+++ b/docs/notenapp.pptx
@@ -8,6 +8,7 @@
     <p:sldId id="256" r:id="rId2"/>
     <p:sldId id="257" r:id="rId3"/>
     <p:sldId id="258" r:id="rId4"/>
+    <p:sldId id="259" r:id="rId5"/>
   </p:sldIdLst>
   <p:sldSz cx="9144000" cy="6858000" type="screen4x3"/>
   <p:notesSz cx="6858000" cy="9144000"/>
@@ -291,7 +292,7 @@
             <a:fld id="{F0B96F50-2E74-4531-A9D7-82F060543DE4}" type="datetimeFigureOut">
               <a:rPr lang="de-DE" smtClean="0"/>
               <a:pPr/>
-              <a:t>05.01.2013</a:t>
+              <a:t>12.01.2013</a:t>
             </a:fld>
             <a:endParaRPr lang="de-DE"/>
           </a:p>
@@ -458,7 +459,7 @@
             <a:fld id="{F0B96F50-2E74-4531-A9D7-82F060543DE4}" type="datetimeFigureOut">
               <a:rPr lang="de-DE" smtClean="0"/>
               <a:pPr/>
-              <a:t>05.01.2013</a:t>
+              <a:t>12.01.2013</a:t>
             </a:fld>
             <a:endParaRPr lang="de-DE"/>
           </a:p>
@@ -635,7 +636,7 @@
             <a:fld id="{F0B96F50-2E74-4531-A9D7-82F060543DE4}" type="datetimeFigureOut">
               <a:rPr lang="de-DE" smtClean="0"/>
               <a:pPr/>
-              <a:t>05.01.2013</a:t>
+              <a:t>12.01.2013</a:t>
             </a:fld>
             <a:endParaRPr lang="de-DE"/>
           </a:p>
@@ -802,7 +803,7 @@
             <a:fld id="{F0B96F50-2E74-4531-A9D7-82F060543DE4}" type="datetimeFigureOut">
               <a:rPr lang="de-DE" smtClean="0"/>
               <a:pPr/>
-              <a:t>05.01.2013</a:t>
+              <a:t>12.01.2013</a:t>
             </a:fld>
             <a:endParaRPr lang="de-DE"/>
           </a:p>
@@ -1045,7 +1046,7 @@
             <a:fld id="{F0B96F50-2E74-4531-A9D7-82F060543DE4}" type="datetimeFigureOut">
               <a:rPr lang="de-DE" smtClean="0"/>
               <a:pPr/>
-              <a:t>05.01.2013</a:t>
+              <a:t>12.01.2013</a:t>
             </a:fld>
             <a:endParaRPr lang="de-DE"/>
           </a:p>
@@ -1330,7 +1331,7 @@
             <a:fld id="{F0B96F50-2E74-4531-A9D7-82F060543DE4}" type="datetimeFigureOut">
               <a:rPr lang="de-DE" smtClean="0"/>
               <a:pPr/>
-              <a:t>05.01.2013</a:t>
+              <a:t>12.01.2013</a:t>
             </a:fld>
             <a:endParaRPr lang="de-DE"/>
           </a:p>
@@ -1749,7 +1750,7 @@
             <a:fld id="{F0B96F50-2E74-4531-A9D7-82F060543DE4}" type="datetimeFigureOut">
               <a:rPr lang="de-DE" smtClean="0"/>
               <a:pPr/>
-              <a:t>05.01.2013</a:t>
+              <a:t>12.01.2013</a:t>
             </a:fld>
             <a:endParaRPr lang="de-DE"/>
           </a:p>
@@ -1864,7 +1865,7 @@
             <a:fld id="{F0B96F50-2E74-4531-A9D7-82F060543DE4}" type="datetimeFigureOut">
               <a:rPr lang="de-DE" smtClean="0"/>
               <a:pPr/>
-              <a:t>05.01.2013</a:t>
+              <a:t>12.01.2013</a:t>
             </a:fld>
             <a:endParaRPr lang="de-DE"/>
           </a:p>
@@ -1956,7 +1957,7 @@
             <a:fld id="{F0B96F50-2E74-4531-A9D7-82F060543DE4}" type="datetimeFigureOut">
               <a:rPr lang="de-DE" smtClean="0"/>
               <a:pPr/>
-              <a:t>05.01.2013</a:t>
+              <a:t>12.01.2013</a:t>
             </a:fld>
             <a:endParaRPr lang="de-DE"/>
           </a:p>
@@ -2230,7 +2231,7 @@
             <a:fld id="{F0B96F50-2E74-4531-A9D7-82F060543DE4}" type="datetimeFigureOut">
               <a:rPr lang="de-DE" smtClean="0"/>
               <a:pPr/>
-              <a:t>05.01.2013</a:t>
+              <a:t>12.01.2013</a:t>
             </a:fld>
             <a:endParaRPr lang="de-DE"/>
           </a:p>
@@ -2480,7 +2481,7 @@
             <a:fld id="{F0B96F50-2E74-4531-A9D7-82F060543DE4}" type="datetimeFigureOut">
               <a:rPr lang="de-DE" smtClean="0"/>
               <a:pPr/>
-              <a:t>05.01.2013</a:t>
+              <a:t>12.01.2013</a:t>
             </a:fld>
             <a:endParaRPr lang="de-DE"/>
           </a:p>
@@ -2690,7 +2691,7 @@
             <a:fld id="{F0B96F50-2E74-4531-A9D7-82F060543DE4}" type="datetimeFigureOut">
               <a:rPr lang="de-DE" smtClean="0"/>
               <a:pPr/>
-              <a:t>05.01.2013</a:t>
+              <a:t>12.01.2013</a:t>
             </a:fld>
             <a:endParaRPr lang="de-DE"/>
           </a:p>
@@ -9768,6 +9769,425 @@
               <a:t>ja</a:t>
             </a:r>
             <a:endParaRPr lang="de-DE" sz="1200" dirty="0"/>
+          </a:p>
+        </p:txBody>
+      </p:sp>
+    </p:spTree>
+  </p:cSld>
+  <p:clrMapOvr>
+    <a:masterClrMapping/>
+  </p:clrMapOvr>
+</p:sld>
+</file>
+
+<file path=ppt/slides/slide4.xml><?xml version="1.0" encoding="utf-8"?>
+<p:sld xmlns:a="http://schemas.openxmlformats.org/drawingml/2006/main" xmlns:r="http://schemas.openxmlformats.org/officeDocument/2006/relationships" xmlns:p="http://schemas.openxmlformats.org/presentationml/2006/main">
+  <p:cSld>
+    <p:spTree>
+      <p:nvGrpSpPr>
+        <p:cNvPr id="1" name=""/>
+        <p:cNvGrpSpPr/>
+        <p:nvPr/>
+      </p:nvGrpSpPr>
+      <p:grpSpPr>
+        <a:xfrm>
+          <a:off x="0" y="0"/>
+          <a:ext cx="0" cy="0"/>
+          <a:chOff x="0" y="0"/>
+          <a:chExt cx="0" cy="0"/>
+        </a:xfrm>
+      </p:grpSpPr>
+      <p:sp>
+        <p:nvSpPr>
+          <p:cNvPr id="2" name="Ellipse 1"/>
+          <p:cNvSpPr/>
+          <p:nvPr/>
+        </p:nvSpPr>
+        <p:spPr>
+          <a:xfrm>
+            <a:off x="467544" y="2060848"/>
+            <a:ext cx="1440160" cy="936104"/>
+          </a:xfrm>
+          <a:prstGeom prst="ellipse">
+            <a:avLst/>
+          </a:prstGeom>
+          <a:noFill/>
+          <a:ln>
+            <a:solidFill>
+              <a:schemeClr val="tx1"/>
+            </a:solidFill>
+          </a:ln>
+        </p:spPr>
+        <p:style>
+          <a:lnRef idx="2">
+            <a:schemeClr val="accent1">
+              <a:shade val="50000"/>
+            </a:schemeClr>
+          </a:lnRef>
+          <a:fillRef idx="1">
+            <a:schemeClr val="accent1"/>
+          </a:fillRef>
+          <a:effectRef idx="0">
+            <a:schemeClr val="accent1"/>
+          </a:effectRef>
+          <a:fontRef idx="minor">
+            <a:schemeClr val="lt1"/>
+          </a:fontRef>
+        </p:style>
+        <p:txBody>
+          <a:bodyPr rtlCol="0" anchor="ctr"/>
+          <a:lstStyle/>
+          <a:p>
+            <a:pPr algn="ctr"/>
+            <a:r>
+              <a:rPr lang="de-DE" dirty="0" smtClean="0">
+                <a:solidFill>
+                  <a:schemeClr val="tx1"/>
+                </a:solidFill>
+              </a:rPr>
+              <a:t>Benutzer</a:t>
+            </a:r>
+            <a:endParaRPr lang="de-DE" dirty="0">
+              <a:solidFill>
+                <a:schemeClr val="tx1"/>
+              </a:solidFill>
+            </a:endParaRPr>
+          </a:p>
+        </p:txBody>
+      </p:sp>
+      <p:sp>
+        <p:nvSpPr>
+          <p:cNvPr id="4" name="Rechteck 3"/>
+          <p:cNvSpPr/>
+          <p:nvPr/>
+        </p:nvSpPr>
+        <p:spPr>
+          <a:xfrm>
+            <a:off x="2987824" y="260648"/>
+            <a:ext cx="2736304" cy="5256584"/>
+          </a:xfrm>
+          <a:prstGeom prst="rect">
+            <a:avLst/>
+          </a:prstGeom>
+          <a:noFill/>
+          <a:ln>
+            <a:solidFill>
+              <a:schemeClr val="tx1"/>
+            </a:solidFill>
+          </a:ln>
+        </p:spPr>
+        <p:style>
+          <a:lnRef idx="2">
+            <a:schemeClr val="accent1">
+              <a:shade val="50000"/>
+            </a:schemeClr>
+          </a:lnRef>
+          <a:fillRef idx="1">
+            <a:schemeClr val="accent1"/>
+          </a:fillRef>
+          <a:effectRef idx="0">
+            <a:schemeClr val="accent1"/>
+          </a:effectRef>
+          <a:fontRef idx="minor">
+            <a:schemeClr val="lt1"/>
+          </a:fontRef>
+        </p:style>
+        <p:txBody>
+          <a:bodyPr rtlCol="0" anchor="ctr"/>
+          <a:lstStyle/>
+          <a:p>
+            <a:pPr algn="ctr"/>
+            <a:endParaRPr lang="de-DE" dirty="0"/>
+          </a:p>
+        </p:txBody>
+      </p:sp>
+      <p:sp>
+        <p:nvSpPr>
+          <p:cNvPr id="5" name="Ellipse 4"/>
+          <p:cNvSpPr/>
+          <p:nvPr/>
+        </p:nvSpPr>
+        <p:spPr>
+          <a:xfrm>
+            <a:off x="3491880" y="404664"/>
+            <a:ext cx="1728192" cy="936104"/>
+          </a:xfrm>
+          <a:prstGeom prst="ellipse">
+            <a:avLst/>
+          </a:prstGeom>
+          <a:noFill/>
+          <a:ln>
+            <a:solidFill>
+              <a:schemeClr val="tx1"/>
+            </a:solidFill>
+          </a:ln>
+        </p:spPr>
+        <p:style>
+          <a:lnRef idx="2">
+            <a:schemeClr val="accent1">
+              <a:shade val="50000"/>
+            </a:schemeClr>
+          </a:lnRef>
+          <a:fillRef idx="1">
+            <a:schemeClr val="accent1"/>
+          </a:fillRef>
+          <a:effectRef idx="0">
+            <a:schemeClr val="accent1"/>
+          </a:effectRef>
+          <a:fontRef idx="minor">
+            <a:schemeClr val="lt1"/>
+          </a:fontRef>
+        </p:style>
+        <p:txBody>
+          <a:bodyPr rtlCol="0" anchor="ctr"/>
+          <a:lstStyle/>
+          <a:p>
+            <a:pPr algn="ctr"/>
+            <a:r>
+              <a:rPr lang="de-DE" dirty="0" smtClean="0">
+                <a:solidFill>
+                  <a:schemeClr val="tx1"/>
+                </a:solidFill>
+              </a:rPr>
+              <a:t>Abschlüsse anzeigen</a:t>
+            </a:r>
+            <a:endParaRPr lang="de-DE" dirty="0">
+              <a:solidFill>
+                <a:schemeClr val="tx1"/>
+              </a:solidFill>
+            </a:endParaRPr>
+          </a:p>
+        </p:txBody>
+      </p:sp>
+      <p:sp>
+        <p:nvSpPr>
+          <p:cNvPr id="6" name="Ellipse 5"/>
+          <p:cNvSpPr/>
+          <p:nvPr/>
+        </p:nvSpPr>
+        <p:spPr>
+          <a:xfrm>
+            <a:off x="3419872" y="1412776"/>
+            <a:ext cx="1944216" cy="936104"/>
+          </a:xfrm>
+          <a:prstGeom prst="ellipse">
+            <a:avLst/>
+          </a:prstGeom>
+          <a:noFill/>
+          <a:ln>
+            <a:solidFill>
+              <a:schemeClr val="tx1"/>
+            </a:solidFill>
+          </a:ln>
+        </p:spPr>
+        <p:style>
+          <a:lnRef idx="2">
+            <a:schemeClr val="accent1">
+              <a:shade val="50000"/>
+            </a:schemeClr>
+          </a:lnRef>
+          <a:fillRef idx="1">
+            <a:schemeClr val="accent1"/>
+          </a:fillRef>
+          <a:effectRef idx="0">
+            <a:schemeClr val="accent1"/>
+          </a:effectRef>
+          <a:fontRef idx="minor">
+            <a:schemeClr val="lt1"/>
+          </a:fontRef>
+        </p:style>
+        <p:txBody>
+          <a:bodyPr rtlCol="0" anchor="ctr"/>
+          <a:lstStyle/>
+          <a:p>
+            <a:pPr algn="ctr"/>
+            <a:r>
+              <a:rPr lang="de-DE" dirty="0" smtClean="0">
+                <a:solidFill>
+                  <a:schemeClr val="tx1"/>
+                </a:solidFill>
+              </a:rPr>
+              <a:t>Kurse/Noten anzeigen</a:t>
+            </a:r>
+            <a:endParaRPr lang="de-DE" dirty="0">
+              <a:solidFill>
+                <a:schemeClr val="tx1"/>
+              </a:solidFill>
+            </a:endParaRPr>
+          </a:p>
+        </p:txBody>
+      </p:sp>
+      <p:sp>
+        <p:nvSpPr>
+          <p:cNvPr id="7" name="Ellipse 6"/>
+          <p:cNvSpPr/>
+          <p:nvPr/>
+        </p:nvSpPr>
+        <p:spPr>
+          <a:xfrm>
+            <a:off x="3347864" y="2420888"/>
+            <a:ext cx="2088232" cy="936104"/>
+          </a:xfrm>
+          <a:prstGeom prst="ellipse">
+            <a:avLst/>
+          </a:prstGeom>
+          <a:noFill/>
+          <a:ln>
+            <a:solidFill>
+              <a:schemeClr val="tx1"/>
+            </a:solidFill>
+          </a:ln>
+        </p:spPr>
+        <p:style>
+          <a:lnRef idx="2">
+            <a:schemeClr val="accent1">
+              <a:shade val="50000"/>
+            </a:schemeClr>
+          </a:lnRef>
+          <a:fillRef idx="1">
+            <a:schemeClr val="accent1"/>
+          </a:fillRef>
+          <a:effectRef idx="0">
+            <a:schemeClr val="accent1"/>
+          </a:effectRef>
+          <a:fontRef idx="minor">
+            <a:schemeClr val="lt1"/>
+          </a:fontRef>
+        </p:style>
+        <p:txBody>
+          <a:bodyPr rtlCol="0" anchor="ctr"/>
+          <a:lstStyle/>
+          <a:p>
+            <a:pPr algn="ctr"/>
+            <a:r>
+              <a:rPr lang="de-DE" dirty="0" smtClean="0">
+                <a:solidFill>
+                  <a:schemeClr val="tx1"/>
+                </a:solidFill>
+              </a:rPr>
+              <a:t>Kursdetails anzeigen</a:t>
+            </a:r>
+            <a:endParaRPr lang="de-DE" dirty="0">
+              <a:solidFill>
+                <a:schemeClr val="tx1"/>
+              </a:solidFill>
+            </a:endParaRPr>
+          </a:p>
+        </p:txBody>
+      </p:sp>
+      <p:sp>
+        <p:nvSpPr>
+          <p:cNvPr id="8" name="Ellipse 7"/>
+          <p:cNvSpPr/>
+          <p:nvPr/>
+        </p:nvSpPr>
+        <p:spPr>
+          <a:xfrm>
+            <a:off x="3419872" y="3429000"/>
+            <a:ext cx="2016224" cy="936104"/>
+          </a:xfrm>
+          <a:prstGeom prst="ellipse">
+            <a:avLst/>
+          </a:prstGeom>
+          <a:noFill/>
+          <a:ln>
+            <a:solidFill>
+              <a:schemeClr val="tx1"/>
+            </a:solidFill>
+          </a:ln>
+        </p:spPr>
+        <p:style>
+          <a:lnRef idx="2">
+            <a:schemeClr val="accent1">
+              <a:shade val="50000"/>
+            </a:schemeClr>
+          </a:lnRef>
+          <a:fillRef idx="1">
+            <a:schemeClr val="accent1"/>
+          </a:fillRef>
+          <a:effectRef idx="0">
+            <a:schemeClr val="accent1"/>
+          </a:effectRef>
+          <a:fontRef idx="minor">
+            <a:schemeClr val="lt1"/>
+          </a:fontRef>
+        </p:style>
+        <p:txBody>
+          <a:bodyPr rtlCol="0" anchor="ctr"/>
+          <a:lstStyle/>
+          <a:p>
+            <a:pPr algn="ctr"/>
+            <a:r>
+              <a:rPr lang="de-DE" dirty="0" smtClean="0">
+                <a:solidFill>
+                  <a:schemeClr val="tx1"/>
+                </a:solidFill>
+              </a:rPr>
+              <a:t>Kurse suchen und filtern</a:t>
+            </a:r>
+            <a:endParaRPr lang="de-DE" dirty="0">
+              <a:solidFill>
+                <a:schemeClr val="tx1"/>
+              </a:solidFill>
+            </a:endParaRPr>
+          </a:p>
+        </p:txBody>
+      </p:sp>
+      <p:sp>
+        <p:nvSpPr>
+          <p:cNvPr id="9" name="Ellipse 8"/>
+          <p:cNvSpPr/>
+          <p:nvPr/>
+        </p:nvSpPr>
+        <p:spPr>
+          <a:xfrm>
+            <a:off x="3491880" y="4437112"/>
+            <a:ext cx="1728192" cy="936104"/>
+          </a:xfrm>
+          <a:prstGeom prst="ellipse">
+            <a:avLst/>
+          </a:prstGeom>
+          <a:noFill/>
+          <a:ln>
+            <a:solidFill>
+              <a:schemeClr val="tx1"/>
+            </a:solidFill>
+          </a:ln>
+        </p:spPr>
+        <p:style>
+          <a:lnRef idx="2">
+            <a:schemeClr val="accent1">
+              <a:shade val="50000"/>
+            </a:schemeClr>
+          </a:lnRef>
+          <a:fillRef idx="1">
+            <a:schemeClr val="accent1"/>
+          </a:fillRef>
+          <a:effectRef idx="0">
+            <a:schemeClr val="accent1"/>
+          </a:effectRef>
+          <a:fontRef idx="minor">
+            <a:schemeClr val="lt1"/>
+          </a:fontRef>
+        </p:style>
+        <p:txBody>
+          <a:bodyPr rtlCol="0" anchor="ctr"/>
+          <a:lstStyle/>
+          <a:p>
+            <a:pPr algn="ctr"/>
+            <a:r>
+              <a:rPr lang="de-DE" dirty="0" smtClean="0">
+                <a:solidFill>
+                  <a:schemeClr val="tx1"/>
+                </a:solidFill>
+              </a:rPr>
+              <a:t>Noten „teilen“</a:t>
+            </a:r>
+            <a:endParaRPr lang="de-DE" dirty="0">
+              <a:solidFill>
+                <a:schemeClr val="tx1"/>
+              </a:solidFill>
+            </a:endParaRPr>
           </a:p>
         </p:txBody>
       </p:sp>

--- a/docs/notenapp.pptx
+++ b/docs/notenapp.pptx
@@ -9805,8 +9805,8 @@
         </p:nvSpPr>
         <p:spPr>
           <a:xfrm>
-            <a:off x="467544" y="2060848"/>
-            <a:ext cx="1440160" cy="936104"/>
+            <a:off x="1331640" y="1484784"/>
+            <a:ext cx="1061171" cy="564228"/>
           </a:xfrm>
           <a:prstGeom prst="ellipse">
             <a:avLst/>
@@ -9840,14 +9840,14 @@
           <a:p>
             <a:pPr algn="ctr"/>
             <a:r>
-              <a:rPr lang="de-DE" dirty="0" smtClean="0">
+              <a:rPr lang="de-DE" sz="1200" dirty="0" smtClean="0">
                 <a:solidFill>
                   <a:schemeClr val="tx1"/>
                 </a:solidFill>
               </a:rPr>
               <a:t>Benutzer</a:t>
             </a:r>
-            <a:endParaRPr lang="de-DE" dirty="0">
+            <a:endParaRPr lang="de-DE" sz="1200" dirty="0">
               <a:solidFill>
                 <a:schemeClr val="tx1"/>
               </a:solidFill>
@@ -9864,7 +9864,7 @@
         <p:spPr>
           <a:xfrm>
             <a:off x="2987824" y="260648"/>
-            <a:ext cx="2736304" cy="5256584"/>
+            <a:ext cx="2016224" cy="3168352"/>
           </a:xfrm>
           <a:prstGeom prst="rect">
             <a:avLst/>
@@ -9897,7 +9897,7 @@
           <a:lstStyle/>
           <a:p>
             <a:pPr algn="ctr"/>
-            <a:endParaRPr lang="de-DE" dirty="0"/>
+            <a:endParaRPr lang="de-DE" sz="1200" dirty="0"/>
           </a:p>
         </p:txBody>
       </p:sp>
@@ -9909,8 +9909,8 @@
         </p:nvSpPr>
         <p:spPr>
           <a:xfrm>
-            <a:off x="3491880" y="404664"/>
-            <a:ext cx="1728192" cy="936104"/>
+            <a:off x="3347864" y="332656"/>
+            <a:ext cx="1273405" cy="432048"/>
           </a:xfrm>
           <a:prstGeom prst="ellipse">
             <a:avLst/>
@@ -9944,14 +9944,14 @@
           <a:p>
             <a:pPr algn="ctr"/>
             <a:r>
-              <a:rPr lang="de-DE" dirty="0" smtClean="0">
+              <a:rPr lang="de-DE" sz="1200" dirty="0" smtClean="0">
                 <a:solidFill>
                   <a:schemeClr val="tx1"/>
                 </a:solidFill>
               </a:rPr>
               <a:t>Abschlüsse anzeigen</a:t>
             </a:r>
-            <a:endParaRPr lang="de-DE" dirty="0">
+            <a:endParaRPr lang="de-DE" sz="1200" dirty="0">
               <a:solidFill>
                 <a:schemeClr val="tx1"/>
               </a:solidFill>
@@ -9967,8 +9967,8 @@
         </p:nvSpPr>
         <p:spPr>
           <a:xfrm>
-            <a:off x="3419872" y="1412776"/>
-            <a:ext cx="1944216" cy="936104"/>
+            <a:off x="3275856" y="908720"/>
+            <a:ext cx="1432581" cy="432048"/>
           </a:xfrm>
           <a:prstGeom prst="ellipse">
             <a:avLst/>
@@ -10002,14 +10002,14 @@
           <a:p>
             <a:pPr algn="ctr"/>
             <a:r>
-              <a:rPr lang="de-DE" dirty="0" smtClean="0">
+              <a:rPr lang="de-DE" sz="1200" dirty="0" smtClean="0">
                 <a:solidFill>
                   <a:schemeClr val="tx1"/>
                 </a:solidFill>
               </a:rPr>
               <a:t>Kurse/Noten anzeigen</a:t>
             </a:r>
-            <a:endParaRPr lang="de-DE" dirty="0">
+            <a:endParaRPr lang="de-DE" sz="1200" dirty="0">
               <a:solidFill>
                 <a:schemeClr val="tx1"/>
               </a:solidFill>
@@ -10025,8 +10025,8 @@
         </p:nvSpPr>
         <p:spPr>
           <a:xfrm>
-            <a:off x="3347864" y="2420888"/>
-            <a:ext cx="2088232" cy="936104"/>
+            <a:off x="3275856" y="1556792"/>
+            <a:ext cx="1538697" cy="432048"/>
           </a:xfrm>
           <a:prstGeom prst="ellipse">
             <a:avLst/>
@@ -10060,14 +10060,14 @@
           <a:p>
             <a:pPr algn="ctr"/>
             <a:r>
-              <a:rPr lang="de-DE" dirty="0" smtClean="0">
+              <a:rPr lang="de-DE" sz="1200" dirty="0" smtClean="0">
                 <a:solidFill>
                   <a:schemeClr val="tx1"/>
                 </a:solidFill>
               </a:rPr>
               <a:t>Kursdetails anzeigen</a:t>
             </a:r>
-            <a:endParaRPr lang="de-DE" dirty="0">
+            <a:endParaRPr lang="de-DE" sz="1200" dirty="0">
               <a:solidFill>
                 <a:schemeClr val="tx1"/>
               </a:solidFill>
@@ -10083,8 +10083,8 @@
         </p:nvSpPr>
         <p:spPr>
           <a:xfrm>
-            <a:off x="3419872" y="3429000"/>
-            <a:ext cx="2016224" cy="936104"/>
+            <a:off x="3275856" y="2204864"/>
+            <a:ext cx="1485639" cy="564228"/>
           </a:xfrm>
           <a:prstGeom prst="ellipse">
             <a:avLst/>
@@ -10118,14 +10118,14 @@
           <a:p>
             <a:pPr algn="ctr"/>
             <a:r>
-              <a:rPr lang="de-DE" dirty="0" smtClean="0">
+              <a:rPr lang="de-DE" sz="1200" dirty="0" smtClean="0">
                 <a:solidFill>
                   <a:schemeClr val="tx1"/>
                 </a:solidFill>
               </a:rPr>
               <a:t>Kurse suchen und filtern</a:t>
             </a:r>
-            <a:endParaRPr lang="de-DE" dirty="0">
+            <a:endParaRPr lang="de-DE" sz="1200" dirty="0">
               <a:solidFill>
                 <a:schemeClr val="tx1"/>
               </a:solidFill>
@@ -10141,8 +10141,8 @@
         </p:nvSpPr>
         <p:spPr>
           <a:xfrm>
-            <a:off x="3491880" y="4437112"/>
-            <a:ext cx="1728192" cy="936104"/>
+            <a:off x="3419872" y="2852936"/>
+            <a:ext cx="1273405" cy="492220"/>
           </a:xfrm>
           <a:prstGeom prst="ellipse">
             <a:avLst/>
@@ -10176,14 +10176,14 @@
           <a:p>
             <a:pPr algn="ctr"/>
             <a:r>
-              <a:rPr lang="de-DE" dirty="0" smtClean="0">
+              <a:rPr lang="de-DE" sz="1200" dirty="0" smtClean="0">
                 <a:solidFill>
                   <a:schemeClr val="tx1"/>
                 </a:solidFill>
               </a:rPr>
               <a:t>Noten „teilen“</a:t>
             </a:r>
-            <a:endParaRPr lang="de-DE" dirty="0">
+            <a:endParaRPr lang="de-DE" sz="1200" dirty="0">
               <a:solidFill>
                 <a:schemeClr val="tx1"/>
               </a:solidFill>
@@ -10191,6 +10191,298 @@
           </a:p>
         </p:txBody>
       </p:sp>
+      <p:cxnSp>
+        <p:nvCxnSpPr>
+          <p:cNvPr id="11" name="Gerade Verbindung mit Pfeil 10"/>
+          <p:cNvCxnSpPr>
+            <a:stCxn id="2" idx="6"/>
+            <a:endCxn id="5" idx="2"/>
+          </p:cNvCxnSpPr>
+          <p:nvPr/>
+        </p:nvCxnSpPr>
+        <p:spPr>
+          <a:xfrm flipV="1">
+            <a:off x="2392811" y="548680"/>
+            <a:ext cx="955053" cy="1218218"/>
+          </a:xfrm>
+          <a:prstGeom prst="straightConnector1">
+            <a:avLst/>
+          </a:prstGeom>
+          <a:ln w="15875">
+            <a:solidFill>
+              <a:schemeClr val="tx1"/>
+            </a:solidFill>
+            <a:tailEnd type="arrow"/>
+          </a:ln>
+        </p:spPr>
+        <p:style>
+          <a:lnRef idx="1">
+            <a:schemeClr val="accent1"/>
+          </a:lnRef>
+          <a:fillRef idx="0">
+            <a:schemeClr val="accent1"/>
+          </a:fillRef>
+          <a:effectRef idx="0">
+            <a:schemeClr val="accent1"/>
+          </a:effectRef>
+          <a:fontRef idx="minor">
+            <a:schemeClr val="tx1"/>
+          </a:fontRef>
+        </p:style>
+      </p:cxnSp>
+      <p:cxnSp>
+        <p:nvCxnSpPr>
+          <p:cNvPr id="12" name="Gerade Verbindung mit Pfeil 11"/>
+          <p:cNvCxnSpPr>
+            <a:stCxn id="2" idx="6"/>
+            <a:endCxn id="6" idx="2"/>
+          </p:cNvCxnSpPr>
+          <p:nvPr/>
+        </p:nvCxnSpPr>
+        <p:spPr>
+          <a:xfrm flipV="1">
+            <a:off x="2392811" y="1124744"/>
+            <a:ext cx="883045" cy="642154"/>
+          </a:xfrm>
+          <a:prstGeom prst="straightConnector1">
+            <a:avLst/>
+          </a:prstGeom>
+          <a:ln w="15875">
+            <a:solidFill>
+              <a:schemeClr val="tx1"/>
+            </a:solidFill>
+            <a:tailEnd type="arrow"/>
+          </a:ln>
+        </p:spPr>
+        <p:style>
+          <a:lnRef idx="1">
+            <a:schemeClr val="accent1"/>
+          </a:lnRef>
+          <a:fillRef idx="0">
+            <a:schemeClr val="accent1"/>
+          </a:fillRef>
+          <a:effectRef idx="0">
+            <a:schemeClr val="accent1"/>
+          </a:effectRef>
+          <a:fontRef idx="minor">
+            <a:schemeClr val="tx1"/>
+          </a:fontRef>
+        </p:style>
+      </p:cxnSp>
+      <p:cxnSp>
+        <p:nvCxnSpPr>
+          <p:cNvPr id="15" name="Gerade Verbindung mit Pfeil 14"/>
+          <p:cNvCxnSpPr>
+            <a:stCxn id="2" idx="6"/>
+            <a:endCxn id="7" idx="2"/>
+          </p:cNvCxnSpPr>
+          <p:nvPr/>
+        </p:nvCxnSpPr>
+        <p:spPr>
+          <a:xfrm>
+            <a:off x="2392811" y="1766898"/>
+            <a:ext cx="883045" cy="5918"/>
+          </a:xfrm>
+          <a:prstGeom prst="straightConnector1">
+            <a:avLst/>
+          </a:prstGeom>
+          <a:ln w="15875">
+            <a:solidFill>
+              <a:schemeClr val="tx1"/>
+            </a:solidFill>
+            <a:tailEnd type="arrow"/>
+          </a:ln>
+        </p:spPr>
+        <p:style>
+          <a:lnRef idx="1">
+            <a:schemeClr val="accent1"/>
+          </a:lnRef>
+          <a:fillRef idx="0">
+            <a:schemeClr val="accent1"/>
+          </a:fillRef>
+          <a:effectRef idx="0">
+            <a:schemeClr val="accent1"/>
+          </a:effectRef>
+          <a:fontRef idx="minor">
+            <a:schemeClr val="tx1"/>
+          </a:fontRef>
+        </p:style>
+      </p:cxnSp>
+      <p:cxnSp>
+        <p:nvCxnSpPr>
+          <p:cNvPr id="18" name="Gerade Verbindung mit Pfeil 17"/>
+          <p:cNvCxnSpPr>
+            <a:stCxn id="2" idx="6"/>
+            <a:endCxn id="8" idx="2"/>
+          </p:cNvCxnSpPr>
+          <p:nvPr/>
+        </p:nvCxnSpPr>
+        <p:spPr>
+          <a:xfrm>
+            <a:off x="2392811" y="1766898"/>
+            <a:ext cx="883045" cy="720080"/>
+          </a:xfrm>
+          <a:prstGeom prst="straightConnector1">
+            <a:avLst/>
+          </a:prstGeom>
+          <a:ln w="15875">
+            <a:solidFill>
+              <a:schemeClr val="tx1"/>
+            </a:solidFill>
+            <a:tailEnd type="arrow"/>
+          </a:ln>
+        </p:spPr>
+        <p:style>
+          <a:lnRef idx="1">
+            <a:schemeClr val="accent1"/>
+          </a:lnRef>
+          <a:fillRef idx="0">
+            <a:schemeClr val="accent1"/>
+          </a:fillRef>
+          <a:effectRef idx="0">
+            <a:schemeClr val="accent1"/>
+          </a:effectRef>
+          <a:fontRef idx="minor">
+            <a:schemeClr val="tx1"/>
+          </a:fontRef>
+        </p:style>
+      </p:cxnSp>
+      <p:cxnSp>
+        <p:nvCxnSpPr>
+          <p:cNvPr id="21" name="Gerade Verbindung mit Pfeil 20"/>
+          <p:cNvCxnSpPr>
+            <a:stCxn id="2" idx="6"/>
+            <a:endCxn id="9" idx="2"/>
+          </p:cNvCxnSpPr>
+          <p:nvPr/>
+        </p:nvCxnSpPr>
+        <p:spPr>
+          <a:xfrm>
+            <a:off x="2392811" y="1766898"/>
+            <a:ext cx="1027061" cy="1332148"/>
+          </a:xfrm>
+          <a:prstGeom prst="straightConnector1">
+            <a:avLst/>
+          </a:prstGeom>
+          <a:ln w="15875">
+            <a:solidFill>
+              <a:schemeClr val="tx1"/>
+            </a:solidFill>
+            <a:tailEnd type="arrow"/>
+          </a:ln>
+        </p:spPr>
+        <p:style>
+          <a:lnRef idx="1">
+            <a:schemeClr val="accent1"/>
+          </a:lnRef>
+          <a:fillRef idx="0">
+            <a:schemeClr val="accent1"/>
+          </a:fillRef>
+          <a:effectRef idx="0">
+            <a:schemeClr val="accent1"/>
+          </a:effectRef>
+          <a:fontRef idx="minor">
+            <a:schemeClr val="tx1"/>
+          </a:fontRef>
+        </p:style>
+      </p:cxnSp>
+      <p:sp>
+        <p:nvSpPr>
+          <p:cNvPr id="37" name="Rechteck 36"/>
+          <p:cNvSpPr/>
+          <p:nvPr/>
+        </p:nvSpPr>
+        <p:spPr>
+          <a:xfrm>
+            <a:off x="5580112" y="260648"/>
+            <a:ext cx="1224136" cy="3168352"/>
+          </a:xfrm>
+          <a:prstGeom prst="rect">
+            <a:avLst/>
+          </a:prstGeom>
+          <a:noFill/>
+          <a:ln>
+            <a:solidFill>
+              <a:schemeClr val="tx1"/>
+            </a:solidFill>
+          </a:ln>
+        </p:spPr>
+        <p:style>
+          <a:lnRef idx="2">
+            <a:schemeClr val="accent1">
+              <a:shade val="50000"/>
+            </a:schemeClr>
+          </a:lnRef>
+          <a:fillRef idx="1">
+            <a:schemeClr val="accent1"/>
+          </a:fillRef>
+          <a:effectRef idx="0">
+            <a:schemeClr val="accent1"/>
+          </a:effectRef>
+          <a:fontRef idx="minor">
+            <a:schemeClr val="lt1"/>
+          </a:fontRef>
+        </p:style>
+        <p:txBody>
+          <a:bodyPr rtlCol="0" anchor="ctr"/>
+          <a:lstStyle/>
+          <a:p>
+            <a:pPr algn="ctr"/>
+            <a:r>
+              <a:rPr lang="de-DE" sz="1600" dirty="0" smtClean="0">
+                <a:solidFill>
+                  <a:schemeClr val="tx1"/>
+                </a:solidFill>
+              </a:rPr>
+              <a:t>QIS-Server</a:t>
+            </a:r>
+            <a:endParaRPr lang="de-DE" sz="1600" dirty="0">
+              <a:solidFill>
+                <a:schemeClr val="tx1"/>
+              </a:solidFill>
+            </a:endParaRPr>
+          </a:p>
+        </p:txBody>
+      </p:sp>
+      <p:cxnSp>
+        <p:nvCxnSpPr>
+          <p:cNvPr id="70" name="Gerade Verbindung mit Pfeil 69"/>
+          <p:cNvCxnSpPr>
+            <a:stCxn id="4" idx="3"/>
+            <a:endCxn id="37" idx="1"/>
+          </p:cNvCxnSpPr>
+          <p:nvPr/>
+        </p:nvCxnSpPr>
+        <p:spPr>
+          <a:xfrm>
+            <a:off x="5004048" y="1844824"/>
+            <a:ext cx="576064" cy="0"/>
+          </a:xfrm>
+          <a:prstGeom prst="straightConnector1">
+            <a:avLst/>
+          </a:prstGeom>
+          <a:ln w="25400">
+            <a:solidFill>
+              <a:schemeClr val="tx1"/>
+            </a:solidFill>
+            <a:tailEnd type="triangle"/>
+          </a:ln>
+        </p:spPr>
+        <p:style>
+          <a:lnRef idx="1">
+            <a:schemeClr val="accent1"/>
+          </a:lnRef>
+          <a:fillRef idx="0">
+            <a:schemeClr val="accent1"/>
+          </a:fillRef>
+          <a:effectRef idx="0">
+            <a:schemeClr val="accent1"/>
+          </a:effectRef>
+          <a:fontRef idx="minor">
+            <a:schemeClr val="tx1"/>
+          </a:fontRef>
+        </p:style>
+      </p:cxnSp>
     </p:spTree>
   </p:cSld>
   <p:clrMapOvr>

--- a/docs/notenapp.pptx
+++ b/docs/notenapp.pptx
@@ -292,7 +292,7 @@
             <a:fld id="{F0B96F50-2E74-4531-A9D7-82F060543DE4}" type="datetimeFigureOut">
               <a:rPr lang="de-DE" smtClean="0"/>
               <a:pPr/>
-              <a:t>12.01.2013</a:t>
+              <a:t>13.01.2013</a:t>
             </a:fld>
             <a:endParaRPr lang="de-DE"/>
           </a:p>
@@ -459,7 +459,7 @@
             <a:fld id="{F0B96F50-2E74-4531-A9D7-82F060543DE4}" type="datetimeFigureOut">
               <a:rPr lang="de-DE" smtClean="0"/>
               <a:pPr/>
-              <a:t>12.01.2013</a:t>
+              <a:t>13.01.2013</a:t>
             </a:fld>
             <a:endParaRPr lang="de-DE"/>
           </a:p>
@@ -636,7 +636,7 @@
             <a:fld id="{F0B96F50-2E74-4531-A9D7-82F060543DE4}" type="datetimeFigureOut">
               <a:rPr lang="de-DE" smtClean="0"/>
               <a:pPr/>
-              <a:t>12.01.2013</a:t>
+              <a:t>13.01.2013</a:t>
             </a:fld>
             <a:endParaRPr lang="de-DE"/>
           </a:p>
@@ -803,7 +803,7 @@
             <a:fld id="{F0B96F50-2E74-4531-A9D7-82F060543DE4}" type="datetimeFigureOut">
               <a:rPr lang="de-DE" smtClean="0"/>
               <a:pPr/>
-              <a:t>12.01.2013</a:t>
+              <a:t>13.01.2013</a:t>
             </a:fld>
             <a:endParaRPr lang="de-DE"/>
           </a:p>
@@ -1046,7 +1046,7 @@
             <a:fld id="{F0B96F50-2E74-4531-A9D7-82F060543DE4}" type="datetimeFigureOut">
               <a:rPr lang="de-DE" smtClean="0"/>
               <a:pPr/>
-              <a:t>12.01.2013</a:t>
+              <a:t>13.01.2013</a:t>
             </a:fld>
             <a:endParaRPr lang="de-DE"/>
           </a:p>
@@ -1331,7 +1331,7 @@
             <a:fld id="{F0B96F50-2E74-4531-A9D7-82F060543DE4}" type="datetimeFigureOut">
               <a:rPr lang="de-DE" smtClean="0"/>
               <a:pPr/>
-              <a:t>12.01.2013</a:t>
+              <a:t>13.01.2013</a:t>
             </a:fld>
             <a:endParaRPr lang="de-DE"/>
           </a:p>
@@ -1750,7 +1750,7 @@
             <a:fld id="{F0B96F50-2E74-4531-A9D7-82F060543DE4}" type="datetimeFigureOut">
               <a:rPr lang="de-DE" smtClean="0"/>
               <a:pPr/>
-              <a:t>12.01.2013</a:t>
+              <a:t>13.01.2013</a:t>
             </a:fld>
             <a:endParaRPr lang="de-DE"/>
           </a:p>
@@ -1865,7 +1865,7 @@
             <a:fld id="{F0B96F50-2E74-4531-A9D7-82F060543DE4}" type="datetimeFigureOut">
               <a:rPr lang="de-DE" smtClean="0"/>
               <a:pPr/>
-              <a:t>12.01.2013</a:t>
+              <a:t>13.01.2013</a:t>
             </a:fld>
             <a:endParaRPr lang="de-DE"/>
           </a:p>
@@ -1957,7 +1957,7 @@
             <a:fld id="{F0B96F50-2E74-4531-A9D7-82F060543DE4}" type="datetimeFigureOut">
               <a:rPr lang="de-DE" smtClean="0"/>
               <a:pPr/>
-              <a:t>12.01.2013</a:t>
+              <a:t>13.01.2013</a:t>
             </a:fld>
             <a:endParaRPr lang="de-DE"/>
           </a:p>
@@ -2231,7 +2231,7 @@
             <a:fld id="{F0B96F50-2E74-4531-A9D7-82F060543DE4}" type="datetimeFigureOut">
               <a:rPr lang="de-DE" smtClean="0"/>
               <a:pPr/>
-              <a:t>12.01.2013</a:t>
+              <a:t>13.01.2013</a:t>
             </a:fld>
             <a:endParaRPr lang="de-DE"/>
           </a:p>
@@ -2481,7 +2481,7 @@
             <a:fld id="{F0B96F50-2E74-4531-A9D7-82F060543DE4}" type="datetimeFigureOut">
               <a:rPr lang="de-DE" smtClean="0"/>
               <a:pPr/>
-              <a:t>12.01.2013</a:t>
+              <a:t>13.01.2013</a:t>
             </a:fld>
             <a:endParaRPr lang="de-DE"/>
           </a:p>
@@ -2691,7 +2691,7 @@
             <a:fld id="{F0B96F50-2E74-4531-A9D7-82F060543DE4}" type="datetimeFigureOut">
               <a:rPr lang="de-DE" smtClean="0"/>
               <a:pPr/>
-              <a:t>12.01.2013</a:t>
+              <a:t>13.01.2013</a:t>
             </a:fld>
             <a:endParaRPr lang="de-DE"/>
           </a:p>
@@ -9799,20 +9799,20 @@
       </p:grpSpPr>
       <p:sp>
         <p:nvSpPr>
-          <p:cNvPr id="2" name="Ellipse 1"/>
+          <p:cNvPr id="4" name="Rechteck 3"/>
           <p:cNvSpPr/>
           <p:nvPr/>
         </p:nvSpPr>
         <p:spPr>
           <a:xfrm>
-            <a:off x="1331640" y="1484784"/>
-            <a:ext cx="1061171" cy="564228"/>
-          </a:xfrm>
-          <a:prstGeom prst="ellipse">
+            <a:off x="3059832" y="260648"/>
+            <a:ext cx="1872208" cy="2664296"/>
+          </a:xfrm>
+          <a:prstGeom prst="rect">
             <a:avLst/>
           </a:prstGeom>
           <a:noFill/>
-          <a:ln>
+          <a:ln w="6350">
             <a:solidFill>
               <a:schemeClr val="tx1"/>
             </a:solidFill>
@@ -9839,14 +9839,532 @@
           <a:lstStyle/>
           <a:p>
             <a:pPr algn="ctr"/>
-            <a:r>
-              <a:rPr lang="de-DE" sz="1200" dirty="0" smtClean="0">
+            <a:endParaRPr lang="de-DE" sz="1200" dirty="0"/>
+          </a:p>
+        </p:txBody>
+      </p:sp>
+      <p:sp>
+        <p:nvSpPr>
+          <p:cNvPr id="5" name="Ellipse 4"/>
+          <p:cNvSpPr/>
+          <p:nvPr/>
+        </p:nvSpPr>
+        <p:spPr>
+          <a:xfrm>
+            <a:off x="3347864" y="332656"/>
+            <a:ext cx="1440160" cy="360040"/>
+          </a:xfrm>
+          <a:prstGeom prst="ellipse">
+            <a:avLst/>
+          </a:prstGeom>
+          <a:noFill/>
+          <a:ln w="6350">
+            <a:solidFill>
+              <a:schemeClr val="tx1"/>
+            </a:solidFill>
+          </a:ln>
+        </p:spPr>
+        <p:style>
+          <a:lnRef idx="2">
+            <a:schemeClr val="accent1">
+              <a:shade val="50000"/>
+            </a:schemeClr>
+          </a:lnRef>
+          <a:fillRef idx="1">
+            <a:schemeClr val="accent1"/>
+          </a:fillRef>
+          <a:effectRef idx="0">
+            <a:schemeClr val="accent1"/>
+          </a:effectRef>
+          <a:fontRef idx="minor">
+            <a:schemeClr val="lt1"/>
+          </a:fontRef>
+        </p:style>
+        <p:txBody>
+          <a:bodyPr rtlCol="0" anchor="ctr"/>
+          <a:lstStyle/>
+          <a:p>
+            <a:pPr algn="ctr"/>
+            <a:r>
+              <a:rPr lang="de-DE" sz="1100" dirty="0" smtClean="0">
                 <a:solidFill>
                   <a:schemeClr val="tx1"/>
                 </a:solidFill>
               </a:rPr>
-              <a:t>Benutzer</a:t>
-            </a:r>
+              <a:t>Abschlüsse anzeigen</a:t>
+            </a:r>
+            <a:endParaRPr lang="de-DE" sz="1100" dirty="0">
+              <a:solidFill>
+                <a:schemeClr val="tx1"/>
+              </a:solidFill>
+            </a:endParaRPr>
+          </a:p>
+        </p:txBody>
+      </p:sp>
+      <p:sp>
+        <p:nvSpPr>
+          <p:cNvPr id="6" name="Ellipse 5"/>
+          <p:cNvSpPr/>
+          <p:nvPr/>
+        </p:nvSpPr>
+        <p:spPr>
+          <a:xfrm>
+            <a:off x="3347863" y="836712"/>
+            <a:ext cx="1440161" cy="360040"/>
+          </a:xfrm>
+          <a:prstGeom prst="ellipse">
+            <a:avLst/>
+          </a:prstGeom>
+          <a:noFill/>
+          <a:ln w="6350">
+            <a:solidFill>
+              <a:schemeClr val="tx1"/>
+            </a:solidFill>
+          </a:ln>
+        </p:spPr>
+        <p:style>
+          <a:lnRef idx="2">
+            <a:schemeClr val="accent1">
+              <a:shade val="50000"/>
+            </a:schemeClr>
+          </a:lnRef>
+          <a:fillRef idx="1">
+            <a:schemeClr val="accent1"/>
+          </a:fillRef>
+          <a:effectRef idx="0">
+            <a:schemeClr val="accent1"/>
+          </a:effectRef>
+          <a:fontRef idx="minor">
+            <a:schemeClr val="lt1"/>
+          </a:fontRef>
+        </p:style>
+        <p:txBody>
+          <a:bodyPr rtlCol="0" anchor="ctr"/>
+          <a:lstStyle/>
+          <a:p>
+            <a:pPr algn="ctr"/>
+            <a:r>
+              <a:rPr lang="de-DE" sz="1100" dirty="0" smtClean="0">
+                <a:solidFill>
+                  <a:schemeClr val="tx1"/>
+                </a:solidFill>
+              </a:rPr>
+              <a:t>Kurse/Noten anzeigen</a:t>
+            </a:r>
+            <a:endParaRPr lang="de-DE" sz="1100" dirty="0">
+              <a:solidFill>
+                <a:schemeClr val="tx1"/>
+              </a:solidFill>
+            </a:endParaRPr>
+          </a:p>
+        </p:txBody>
+      </p:sp>
+      <p:sp>
+        <p:nvSpPr>
+          <p:cNvPr id="7" name="Ellipse 6"/>
+          <p:cNvSpPr/>
+          <p:nvPr/>
+        </p:nvSpPr>
+        <p:spPr>
+          <a:xfrm>
+            <a:off x="3347864" y="1340768"/>
+            <a:ext cx="1440160" cy="360040"/>
+          </a:xfrm>
+          <a:prstGeom prst="ellipse">
+            <a:avLst/>
+          </a:prstGeom>
+          <a:noFill/>
+          <a:ln w="6350">
+            <a:solidFill>
+              <a:schemeClr val="tx1"/>
+            </a:solidFill>
+          </a:ln>
+        </p:spPr>
+        <p:style>
+          <a:lnRef idx="2">
+            <a:schemeClr val="accent1">
+              <a:shade val="50000"/>
+            </a:schemeClr>
+          </a:lnRef>
+          <a:fillRef idx="1">
+            <a:schemeClr val="accent1"/>
+          </a:fillRef>
+          <a:effectRef idx="0">
+            <a:schemeClr val="accent1"/>
+          </a:effectRef>
+          <a:fontRef idx="minor">
+            <a:schemeClr val="lt1"/>
+          </a:fontRef>
+        </p:style>
+        <p:txBody>
+          <a:bodyPr rtlCol="0" anchor="ctr"/>
+          <a:lstStyle/>
+          <a:p>
+            <a:pPr algn="ctr"/>
+            <a:r>
+              <a:rPr lang="de-DE" sz="1100" dirty="0" smtClean="0">
+                <a:solidFill>
+                  <a:schemeClr val="tx1"/>
+                </a:solidFill>
+              </a:rPr>
+              <a:t>Kursdetails anzeigen</a:t>
+            </a:r>
+            <a:endParaRPr lang="de-DE" sz="1100" dirty="0">
+              <a:solidFill>
+                <a:schemeClr val="tx1"/>
+              </a:solidFill>
+            </a:endParaRPr>
+          </a:p>
+        </p:txBody>
+      </p:sp>
+      <p:sp>
+        <p:nvSpPr>
+          <p:cNvPr id="8" name="Ellipse 7"/>
+          <p:cNvSpPr/>
+          <p:nvPr/>
+        </p:nvSpPr>
+        <p:spPr>
+          <a:xfrm>
+            <a:off x="3347864" y="1844824"/>
+            <a:ext cx="1440160" cy="470190"/>
+          </a:xfrm>
+          <a:prstGeom prst="ellipse">
+            <a:avLst/>
+          </a:prstGeom>
+          <a:noFill/>
+          <a:ln w="6350">
+            <a:solidFill>
+              <a:schemeClr val="tx1"/>
+            </a:solidFill>
+          </a:ln>
+        </p:spPr>
+        <p:style>
+          <a:lnRef idx="2">
+            <a:schemeClr val="accent1">
+              <a:shade val="50000"/>
+            </a:schemeClr>
+          </a:lnRef>
+          <a:fillRef idx="1">
+            <a:schemeClr val="accent1"/>
+          </a:fillRef>
+          <a:effectRef idx="0">
+            <a:schemeClr val="accent1"/>
+          </a:effectRef>
+          <a:fontRef idx="minor">
+            <a:schemeClr val="lt1"/>
+          </a:fontRef>
+        </p:style>
+        <p:txBody>
+          <a:bodyPr rtlCol="0" anchor="ctr"/>
+          <a:lstStyle/>
+          <a:p>
+            <a:pPr algn="ctr"/>
+            <a:r>
+              <a:rPr lang="de-DE" sz="1100" dirty="0" smtClean="0">
+                <a:solidFill>
+                  <a:schemeClr val="tx1"/>
+                </a:solidFill>
+              </a:rPr>
+              <a:t>Kurse suchen und filtern</a:t>
+            </a:r>
+            <a:endParaRPr lang="de-DE" sz="1100" dirty="0">
+              <a:solidFill>
+                <a:schemeClr val="tx1"/>
+              </a:solidFill>
+            </a:endParaRPr>
+          </a:p>
+        </p:txBody>
+      </p:sp>
+      <p:sp>
+        <p:nvSpPr>
+          <p:cNvPr id="9" name="Ellipse 8"/>
+          <p:cNvSpPr/>
+          <p:nvPr/>
+        </p:nvSpPr>
+        <p:spPr>
+          <a:xfrm>
+            <a:off x="3347864" y="2420888"/>
+            <a:ext cx="1440160" cy="410184"/>
+          </a:xfrm>
+          <a:prstGeom prst="ellipse">
+            <a:avLst/>
+          </a:prstGeom>
+          <a:noFill/>
+          <a:ln w="6350">
+            <a:solidFill>
+              <a:schemeClr val="tx1"/>
+            </a:solidFill>
+          </a:ln>
+        </p:spPr>
+        <p:style>
+          <a:lnRef idx="2">
+            <a:schemeClr val="accent1">
+              <a:shade val="50000"/>
+            </a:schemeClr>
+          </a:lnRef>
+          <a:fillRef idx="1">
+            <a:schemeClr val="accent1"/>
+          </a:fillRef>
+          <a:effectRef idx="0">
+            <a:schemeClr val="accent1"/>
+          </a:effectRef>
+          <a:fontRef idx="minor">
+            <a:schemeClr val="lt1"/>
+          </a:fontRef>
+        </p:style>
+        <p:txBody>
+          <a:bodyPr rtlCol="0" anchor="ctr"/>
+          <a:lstStyle/>
+          <a:p>
+            <a:pPr algn="ctr"/>
+            <a:r>
+              <a:rPr lang="de-DE" sz="1100" dirty="0" smtClean="0">
+                <a:solidFill>
+                  <a:schemeClr val="tx1"/>
+                </a:solidFill>
+              </a:rPr>
+              <a:t>Noten „teilen“</a:t>
+            </a:r>
+            <a:endParaRPr lang="de-DE" sz="1100" dirty="0">
+              <a:solidFill>
+                <a:schemeClr val="tx1"/>
+              </a:solidFill>
+            </a:endParaRPr>
+          </a:p>
+        </p:txBody>
+      </p:sp>
+      <p:cxnSp>
+        <p:nvCxnSpPr>
+          <p:cNvPr id="11" name="Gerade Verbindung mit Pfeil 10"/>
+          <p:cNvCxnSpPr>
+            <a:endCxn id="5" idx="2"/>
+          </p:cNvCxnSpPr>
+          <p:nvPr/>
+        </p:nvCxnSpPr>
+        <p:spPr>
+          <a:xfrm flipV="1">
+            <a:off x="2483768" y="512676"/>
+            <a:ext cx="864096" cy="756084"/>
+          </a:xfrm>
+          <a:prstGeom prst="straightConnector1">
+            <a:avLst/>
+          </a:prstGeom>
+          <a:ln w="6350">
+            <a:solidFill>
+              <a:schemeClr val="tx1"/>
+            </a:solidFill>
+            <a:tailEnd type="none"/>
+          </a:ln>
+        </p:spPr>
+        <p:style>
+          <a:lnRef idx="1">
+            <a:schemeClr val="accent1"/>
+          </a:lnRef>
+          <a:fillRef idx="0">
+            <a:schemeClr val="accent1"/>
+          </a:fillRef>
+          <a:effectRef idx="0">
+            <a:schemeClr val="accent1"/>
+          </a:effectRef>
+          <a:fontRef idx="minor">
+            <a:schemeClr val="tx1"/>
+          </a:fontRef>
+        </p:style>
+      </p:cxnSp>
+      <p:cxnSp>
+        <p:nvCxnSpPr>
+          <p:cNvPr id="12" name="Gerade Verbindung mit Pfeil 11"/>
+          <p:cNvCxnSpPr>
+            <a:endCxn id="6" idx="2"/>
+          </p:cNvCxnSpPr>
+          <p:nvPr/>
+        </p:nvCxnSpPr>
+        <p:spPr>
+          <a:xfrm flipV="1">
+            <a:off x="2555776" y="1016732"/>
+            <a:ext cx="792087" cy="396044"/>
+          </a:xfrm>
+          <a:prstGeom prst="straightConnector1">
+            <a:avLst/>
+          </a:prstGeom>
+          <a:ln w="6350">
+            <a:solidFill>
+              <a:schemeClr val="tx1"/>
+            </a:solidFill>
+            <a:tailEnd type="none"/>
+          </a:ln>
+        </p:spPr>
+        <p:style>
+          <a:lnRef idx="1">
+            <a:schemeClr val="accent1"/>
+          </a:lnRef>
+          <a:fillRef idx="0">
+            <a:schemeClr val="accent1"/>
+          </a:fillRef>
+          <a:effectRef idx="0">
+            <a:schemeClr val="accent1"/>
+          </a:effectRef>
+          <a:fontRef idx="minor">
+            <a:schemeClr val="tx1"/>
+          </a:fontRef>
+        </p:style>
+      </p:cxnSp>
+      <p:cxnSp>
+        <p:nvCxnSpPr>
+          <p:cNvPr id="15" name="Gerade Verbindung mit Pfeil 14"/>
+          <p:cNvCxnSpPr>
+            <a:endCxn id="7" idx="2"/>
+          </p:cNvCxnSpPr>
+          <p:nvPr/>
+        </p:nvCxnSpPr>
+        <p:spPr>
+          <a:xfrm flipV="1">
+            <a:off x="2555776" y="1520788"/>
+            <a:ext cx="792088" cy="36004"/>
+          </a:xfrm>
+          <a:prstGeom prst="straightConnector1">
+            <a:avLst/>
+          </a:prstGeom>
+          <a:ln w="6350">
+            <a:solidFill>
+              <a:schemeClr val="tx1"/>
+            </a:solidFill>
+            <a:tailEnd type="none"/>
+          </a:ln>
+        </p:spPr>
+        <p:style>
+          <a:lnRef idx="1">
+            <a:schemeClr val="accent1"/>
+          </a:lnRef>
+          <a:fillRef idx="0">
+            <a:schemeClr val="accent1"/>
+          </a:fillRef>
+          <a:effectRef idx="0">
+            <a:schemeClr val="accent1"/>
+          </a:effectRef>
+          <a:fontRef idx="minor">
+            <a:schemeClr val="tx1"/>
+          </a:fontRef>
+        </p:style>
+      </p:cxnSp>
+      <p:cxnSp>
+        <p:nvCxnSpPr>
+          <p:cNvPr id="18" name="Gerade Verbindung mit Pfeil 17"/>
+          <p:cNvCxnSpPr>
+            <a:endCxn id="8" idx="2"/>
+          </p:cNvCxnSpPr>
+          <p:nvPr/>
+        </p:nvCxnSpPr>
+        <p:spPr>
+          <a:xfrm>
+            <a:off x="2555776" y="1772816"/>
+            <a:ext cx="792088" cy="307103"/>
+          </a:xfrm>
+          <a:prstGeom prst="straightConnector1">
+            <a:avLst/>
+          </a:prstGeom>
+          <a:ln w="6350">
+            <a:solidFill>
+              <a:schemeClr val="tx1"/>
+            </a:solidFill>
+            <a:tailEnd type="none"/>
+          </a:ln>
+        </p:spPr>
+        <p:style>
+          <a:lnRef idx="1">
+            <a:schemeClr val="accent1"/>
+          </a:lnRef>
+          <a:fillRef idx="0">
+            <a:schemeClr val="accent1"/>
+          </a:fillRef>
+          <a:effectRef idx="0">
+            <a:schemeClr val="accent1"/>
+          </a:effectRef>
+          <a:fontRef idx="minor">
+            <a:schemeClr val="tx1"/>
+          </a:fontRef>
+        </p:style>
+      </p:cxnSp>
+      <p:cxnSp>
+        <p:nvCxnSpPr>
+          <p:cNvPr id="21" name="Gerade Verbindung mit Pfeil 20"/>
+          <p:cNvCxnSpPr>
+            <a:endCxn id="9" idx="2"/>
+          </p:cNvCxnSpPr>
+          <p:nvPr/>
+        </p:nvCxnSpPr>
+        <p:spPr>
+          <a:xfrm>
+            <a:off x="2483768" y="1916832"/>
+            <a:ext cx="864096" cy="709148"/>
+          </a:xfrm>
+          <a:prstGeom prst="straightConnector1">
+            <a:avLst/>
+          </a:prstGeom>
+          <a:ln w="6350">
+            <a:solidFill>
+              <a:schemeClr val="tx1"/>
+            </a:solidFill>
+            <a:tailEnd type="none"/>
+          </a:ln>
+        </p:spPr>
+        <p:style>
+          <a:lnRef idx="1">
+            <a:schemeClr val="accent1"/>
+          </a:lnRef>
+          <a:fillRef idx="0">
+            <a:schemeClr val="accent1"/>
+          </a:fillRef>
+          <a:effectRef idx="0">
+            <a:schemeClr val="accent1"/>
+          </a:effectRef>
+          <a:fontRef idx="minor">
+            <a:schemeClr val="tx1"/>
+          </a:fontRef>
+        </p:style>
+      </p:cxnSp>
+      <p:sp>
+        <p:nvSpPr>
+          <p:cNvPr id="16" name="Ellipse 15"/>
+          <p:cNvSpPr/>
+          <p:nvPr/>
+        </p:nvSpPr>
+        <p:spPr>
+          <a:xfrm>
+            <a:off x="2195736" y="1340768"/>
+            <a:ext cx="144016" cy="144016"/>
+          </a:xfrm>
+          <a:prstGeom prst="ellipse">
+            <a:avLst/>
+          </a:prstGeom>
+          <a:noFill/>
+          <a:ln w="6350">
+            <a:solidFill>
+              <a:schemeClr val="tx1"/>
+            </a:solidFill>
+          </a:ln>
+        </p:spPr>
+        <p:style>
+          <a:lnRef idx="2">
+            <a:schemeClr val="accent1">
+              <a:shade val="50000"/>
+            </a:schemeClr>
+          </a:lnRef>
+          <a:fillRef idx="1">
+            <a:schemeClr val="accent1"/>
+          </a:fillRef>
+          <a:effectRef idx="0">
+            <a:schemeClr val="accent1"/>
+          </a:effectRef>
+          <a:fontRef idx="minor">
+            <a:schemeClr val="lt1"/>
+          </a:fontRef>
+        </p:style>
+        <p:txBody>
+          <a:bodyPr rtlCol="0" anchor="ctr"/>
+          <a:lstStyle/>
+          <a:p>
+            <a:pPr algn="ctr"/>
             <a:endParaRPr lang="de-DE" sz="1200" dirty="0">
               <a:solidFill>
                 <a:schemeClr val="tx1"/>
@@ -9855,634 +10373,184 @@
           </a:p>
         </p:txBody>
       </p:sp>
-      <p:sp>
-        <p:nvSpPr>
-          <p:cNvPr id="4" name="Rechteck 3"/>
-          <p:cNvSpPr/>
-          <p:nvPr/>
-        </p:nvSpPr>
-        <p:spPr>
-          <a:xfrm>
-            <a:off x="2987824" y="260648"/>
-            <a:ext cx="2016224" cy="3168352"/>
-          </a:xfrm>
-          <a:prstGeom prst="rect">
-            <a:avLst/>
-          </a:prstGeom>
-          <a:noFill/>
-          <a:ln>
+      <p:cxnSp>
+        <p:nvCxnSpPr>
+          <p:cNvPr id="17" name="Gerade Verbindung mit Pfeil 16"/>
+          <p:cNvCxnSpPr>
+            <a:stCxn id="16" idx="4"/>
+          </p:cNvCxnSpPr>
+          <p:nvPr/>
+        </p:nvCxnSpPr>
+        <p:spPr>
+          <a:xfrm>
+            <a:off x="2267744" y="1484784"/>
+            <a:ext cx="0" cy="216024"/>
+          </a:xfrm>
+          <a:prstGeom prst="straightConnector1">
+            <a:avLst/>
+          </a:prstGeom>
+          <a:ln w="6350">
             <a:solidFill>
               <a:schemeClr val="tx1"/>
             </a:solidFill>
-          </a:ln>
-        </p:spPr>
-        <p:style>
-          <a:lnRef idx="2">
-            <a:schemeClr val="accent1">
-              <a:shade val="50000"/>
-            </a:schemeClr>
-          </a:lnRef>
-          <a:fillRef idx="1">
-            <a:schemeClr val="accent1"/>
-          </a:fillRef>
-          <a:effectRef idx="0">
-            <a:schemeClr val="accent1"/>
-          </a:effectRef>
-          <a:fontRef idx="minor">
-            <a:schemeClr val="lt1"/>
-          </a:fontRef>
-        </p:style>
-        <p:txBody>
-          <a:bodyPr rtlCol="0" anchor="ctr"/>
-          <a:lstStyle/>
-          <a:p>
-            <a:pPr algn="ctr"/>
-            <a:endParaRPr lang="de-DE" sz="1200" dirty="0"/>
-          </a:p>
-        </p:txBody>
-      </p:sp>
-      <p:sp>
-        <p:nvSpPr>
-          <p:cNvPr id="5" name="Ellipse 4"/>
-          <p:cNvSpPr/>
-          <p:nvPr/>
-        </p:nvSpPr>
-        <p:spPr>
-          <a:xfrm>
-            <a:off x="3347864" y="332656"/>
-            <a:ext cx="1273405" cy="432048"/>
-          </a:xfrm>
-          <a:prstGeom prst="ellipse">
-            <a:avLst/>
-          </a:prstGeom>
-          <a:noFill/>
-          <a:ln>
+            <a:tailEnd type="none"/>
+          </a:ln>
+        </p:spPr>
+        <p:style>
+          <a:lnRef idx="1">
+            <a:schemeClr val="accent1"/>
+          </a:lnRef>
+          <a:fillRef idx="0">
+            <a:schemeClr val="accent1"/>
+          </a:fillRef>
+          <a:effectRef idx="0">
+            <a:schemeClr val="accent1"/>
+          </a:effectRef>
+          <a:fontRef idx="minor">
+            <a:schemeClr val="tx1"/>
+          </a:fontRef>
+        </p:style>
+      </p:cxnSp>
+      <p:cxnSp>
+        <p:nvCxnSpPr>
+          <p:cNvPr id="23" name="Gerade Verbindung mit Pfeil 22"/>
+          <p:cNvCxnSpPr/>
+          <p:nvPr/>
+        </p:nvCxnSpPr>
+        <p:spPr>
+          <a:xfrm>
+            <a:off x="2267744" y="1700808"/>
+            <a:ext cx="72008" cy="216024"/>
+          </a:xfrm>
+          <a:prstGeom prst="straightConnector1">
+            <a:avLst/>
+          </a:prstGeom>
+          <a:ln w="6350">
             <a:solidFill>
               <a:schemeClr val="tx1"/>
             </a:solidFill>
-          </a:ln>
-        </p:spPr>
-        <p:style>
-          <a:lnRef idx="2">
-            <a:schemeClr val="accent1">
-              <a:shade val="50000"/>
-            </a:schemeClr>
-          </a:lnRef>
-          <a:fillRef idx="1">
-            <a:schemeClr val="accent1"/>
-          </a:fillRef>
-          <a:effectRef idx="0">
-            <a:schemeClr val="accent1"/>
-          </a:effectRef>
-          <a:fontRef idx="minor">
-            <a:schemeClr val="lt1"/>
-          </a:fontRef>
-        </p:style>
-        <p:txBody>
-          <a:bodyPr rtlCol="0" anchor="ctr"/>
-          <a:lstStyle/>
-          <a:p>
-            <a:pPr algn="ctr"/>
-            <a:r>
-              <a:rPr lang="de-DE" sz="1200" dirty="0" smtClean="0">
-                <a:solidFill>
-                  <a:schemeClr val="tx1"/>
-                </a:solidFill>
-              </a:rPr>
-              <a:t>Abschlüsse anzeigen</a:t>
-            </a:r>
-            <a:endParaRPr lang="de-DE" sz="1200" dirty="0">
-              <a:solidFill>
-                <a:schemeClr val="tx1"/>
-              </a:solidFill>
-            </a:endParaRPr>
-          </a:p>
-        </p:txBody>
-      </p:sp>
-      <p:sp>
-        <p:nvSpPr>
-          <p:cNvPr id="6" name="Ellipse 5"/>
-          <p:cNvSpPr/>
-          <p:nvPr/>
-        </p:nvSpPr>
-        <p:spPr>
-          <a:xfrm>
-            <a:off x="3275856" y="908720"/>
-            <a:ext cx="1432581" cy="432048"/>
-          </a:xfrm>
-          <a:prstGeom prst="ellipse">
-            <a:avLst/>
-          </a:prstGeom>
-          <a:noFill/>
-          <a:ln>
+            <a:tailEnd type="none"/>
+          </a:ln>
+        </p:spPr>
+        <p:style>
+          <a:lnRef idx="1">
+            <a:schemeClr val="accent1"/>
+          </a:lnRef>
+          <a:fillRef idx="0">
+            <a:schemeClr val="accent1"/>
+          </a:fillRef>
+          <a:effectRef idx="0">
+            <a:schemeClr val="accent1"/>
+          </a:effectRef>
+          <a:fontRef idx="minor">
+            <a:schemeClr val="tx1"/>
+          </a:fontRef>
+        </p:style>
+      </p:cxnSp>
+      <p:cxnSp>
+        <p:nvCxnSpPr>
+          <p:cNvPr id="26" name="Gerade Verbindung mit Pfeil 25"/>
+          <p:cNvCxnSpPr/>
+          <p:nvPr/>
+        </p:nvCxnSpPr>
+        <p:spPr>
+          <a:xfrm flipH="1">
+            <a:off x="2195736" y="1700808"/>
+            <a:ext cx="72008" cy="216024"/>
+          </a:xfrm>
+          <a:prstGeom prst="straightConnector1">
+            <a:avLst/>
+          </a:prstGeom>
+          <a:ln w="6350">
             <a:solidFill>
               <a:schemeClr val="tx1"/>
             </a:solidFill>
-          </a:ln>
-        </p:spPr>
-        <p:style>
-          <a:lnRef idx="2">
-            <a:schemeClr val="accent1">
-              <a:shade val="50000"/>
-            </a:schemeClr>
-          </a:lnRef>
-          <a:fillRef idx="1">
-            <a:schemeClr val="accent1"/>
-          </a:fillRef>
-          <a:effectRef idx="0">
-            <a:schemeClr val="accent1"/>
-          </a:effectRef>
-          <a:fontRef idx="minor">
-            <a:schemeClr val="lt1"/>
-          </a:fontRef>
-        </p:style>
-        <p:txBody>
-          <a:bodyPr rtlCol="0" anchor="ctr"/>
-          <a:lstStyle/>
-          <a:p>
-            <a:pPr algn="ctr"/>
-            <a:r>
-              <a:rPr lang="de-DE" sz="1200" dirty="0" smtClean="0">
-                <a:solidFill>
-                  <a:schemeClr val="tx1"/>
-                </a:solidFill>
-              </a:rPr>
-              <a:t>Kurse/Noten anzeigen</a:t>
-            </a:r>
-            <a:endParaRPr lang="de-DE" sz="1200" dirty="0">
-              <a:solidFill>
-                <a:schemeClr val="tx1"/>
-              </a:solidFill>
-            </a:endParaRPr>
-          </a:p>
-        </p:txBody>
-      </p:sp>
-      <p:sp>
-        <p:nvSpPr>
-          <p:cNvPr id="7" name="Ellipse 6"/>
-          <p:cNvSpPr/>
-          <p:nvPr/>
-        </p:nvSpPr>
-        <p:spPr>
-          <a:xfrm>
-            <a:off x="3275856" y="1556792"/>
-            <a:ext cx="1538697" cy="432048"/>
-          </a:xfrm>
-          <a:prstGeom prst="ellipse">
-            <a:avLst/>
-          </a:prstGeom>
-          <a:noFill/>
-          <a:ln>
+            <a:tailEnd type="none"/>
+          </a:ln>
+        </p:spPr>
+        <p:style>
+          <a:lnRef idx="1">
+            <a:schemeClr val="accent1"/>
+          </a:lnRef>
+          <a:fillRef idx="0">
+            <a:schemeClr val="accent1"/>
+          </a:fillRef>
+          <a:effectRef idx="0">
+            <a:schemeClr val="accent1"/>
+          </a:effectRef>
+          <a:fontRef idx="minor">
+            <a:schemeClr val="tx1"/>
+          </a:fontRef>
+        </p:style>
+      </p:cxnSp>
+      <p:cxnSp>
+        <p:nvCxnSpPr>
+          <p:cNvPr id="31" name="Gerade Verbindung mit Pfeil 30"/>
+          <p:cNvCxnSpPr/>
+          <p:nvPr/>
+        </p:nvCxnSpPr>
+        <p:spPr>
+          <a:xfrm>
+            <a:off x="2123728" y="1556792"/>
+            <a:ext cx="288032" cy="0"/>
+          </a:xfrm>
+          <a:prstGeom prst="straightConnector1">
+            <a:avLst/>
+          </a:prstGeom>
+          <a:ln w="6350">
             <a:solidFill>
               <a:schemeClr val="tx1"/>
             </a:solidFill>
-          </a:ln>
-        </p:spPr>
-        <p:style>
-          <a:lnRef idx="2">
-            <a:schemeClr val="accent1">
-              <a:shade val="50000"/>
-            </a:schemeClr>
-          </a:lnRef>
-          <a:fillRef idx="1">
-            <a:schemeClr val="accent1"/>
-          </a:fillRef>
-          <a:effectRef idx="0">
-            <a:schemeClr val="accent1"/>
-          </a:effectRef>
-          <a:fontRef idx="minor">
-            <a:schemeClr val="lt1"/>
-          </a:fontRef>
-        </p:style>
-        <p:txBody>
-          <a:bodyPr rtlCol="0" anchor="ctr"/>
-          <a:lstStyle/>
-          <a:p>
-            <a:pPr algn="ctr"/>
-            <a:r>
-              <a:rPr lang="de-DE" sz="1200" dirty="0" smtClean="0">
-                <a:solidFill>
-                  <a:schemeClr val="tx1"/>
-                </a:solidFill>
-              </a:rPr>
-              <a:t>Kursdetails anzeigen</a:t>
-            </a:r>
-            <a:endParaRPr lang="de-DE" sz="1200" dirty="0">
-              <a:solidFill>
-                <a:schemeClr val="tx1"/>
-              </a:solidFill>
-            </a:endParaRPr>
-          </a:p>
-        </p:txBody>
-      </p:sp>
-      <p:sp>
-        <p:nvSpPr>
-          <p:cNvPr id="8" name="Ellipse 7"/>
-          <p:cNvSpPr/>
-          <p:nvPr/>
-        </p:nvSpPr>
-        <p:spPr>
-          <a:xfrm>
-            <a:off x="3275856" y="2204864"/>
-            <a:ext cx="1485639" cy="564228"/>
-          </a:xfrm>
-          <a:prstGeom prst="ellipse">
+            <a:tailEnd type="none"/>
+          </a:ln>
+        </p:spPr>
+        <p:style>
+          <a:lnRef idx="1">
+            <a:schemeClr val="accent1"/>
+          </a:lnRef>
+          <a:fillRef idx="0">
+            <a:schemeClr val="accent1"/>
+          </a:fillRef>
+          <a:effectRef idx="0">
+            <a:schemeClr val="accent1"/>
+          </a:effectRef>
+          <a:fontRef idx="minor">
+            <a:schemeClr val="tx1"/>
+          </a:fontRef>
+        </p:style>
+      </p:cxnSp>
+      <p:pic>
+        <p:nvPicPr>
+          <p:cNvPr id="1026" name="Picture 2"/>
+          <p:cNvPicPr>
+            <a:picLocks noChangeAspect="1" noChangeArrowheads="1"/>
+          </p:cNvPicPr>
+          <p:nvPr/>
+        </p:nvPicPr>
+        <p:blipFill>
+          <a:blip r:embed="rId2" cstate="print"/>
+          <a:srcRect/>
+          <a:stretch>
+            <a:fillRect/>
+          </a:stretch>
+        </p:blipFill>
+        <p:spPr bwMode="auto">
+          <a:xfrm>
+            <a:off x="5940152" y="188640"/>
+            <a:ext cx="2872216" cy="3188965"/>
+          </a:xfrm>
+          <a:prstGeom prst="rect">
             <a:avLst/>
           </a:prstGeom>
           <a:noFill/>
-          <a:ln>
-            <a:solidFill>
-              <a:schemeClr val="tx1"/>
-            </a:solidFill>
-          </a:ln>
-        </p:spPr>
-        <p:style>
-          <a:lnRef idx="2">
-            <a:schemeClr val="accent1">
-              <a:shade val="50000"/>
-            </a:schemeClr>
-          </a:lnRef>
-          <a:fillRef idx="1">
-            <a:schemeClr val="accent1"/>
-          </a:fillRef>
-          <a:effectRef idx="0">
-            <a:schemeClr val="accent1"/>
-          </a:effectRef>
-          <a:fontRef idx="minor">
-            <a:schemeClr val="lt1"/>
-          </a:fontRef>
-        </p:style>
-        <p:txBody>
-          <a:bodyPr rtlCol="0" anchor="ctr"/>
-          <a:lstStyle/>
-          <a:p>
-            <a:pPr algn="ctr"/>
-            <a:r>
-              <a:rPr lang="de-DE" sz="1200" dirty="0" smtClean="0">
-                <a:solidFill>
-                  <a:schemeClr val="tx1"/>
-                </a:solidFill>
-              </a:rPr>
-              <a:t>Kurse suchen und filtern</a:t>
-            </a:r>
-            <a:endParaRPr lang="de-DE" sz="1200" dirty="0">
-              <a:solidFill>
-                <a:schemeClr val="tx1"/>
-              </a:solidFill>
-            </a:endParaRPr>
-          </a:p>
-        </p:txBody>
-      </p:sp>
-      <p:sp>
-        <p:nvSpPr>
-          <p:cNvPr id="9" name="Ellipse 8"/>
-          <p:cNvSpPr/>
-          <p:nvPr/>
-        </p:nvSpPr>
-        <p:spPr>
-          <a:xfrm>
-            <a:off x="3419872" y="2852936"/>
-            <a:ext cx="1273405" cy="492220"/>
-          </a:xfrm>
-          <a:prstGeom prst="ellipse">
-            <a:avLst/>
-          </a:prstGeom>
-          <a:noFill/>
-          <a:ln>
-            <a:solidFill>
-              <a:schemeClr val="tx1"/>
-            </a:solidFill>
-          </a:ln>
-        </p:spPr>
-        <p:style>
-          <a:lnRef idx="2">
-            <a:schemeClr val="accent1">
-              <a:shade val="50000"/>
-            </a:schemeClr>
-          </a:lnRef>
-          <a:fillRef idx="1">
-            <a:schemeClr val="accent1"/>
-          </a:fillRef>
-          <a:effectRef idx="0">
-            <a:schemeClr val="accent1"/>
-          </a:effectRef>
-          <a:fontRef idx="minor">
-            <a:schemeClr val="lt1"/>
-          </a:fontRef>
-        </p:style>
-        <p:txBody>
-          <a:bodyPr rtlCol="0" anchor="ctr"/>
-          <a:lstStyle/>
-          <a:p>
-            <a:pPr algn="ctr"/>
-            <a:r>
-              <a:rPr lang="de-DE" sz="1200" dirty="0" smtClean="0">
-                <a:solidFill>
-                  <a:schemeClr val="tx1"/>
-                </a:solidFill>
-              </a:rPr>
-              <a:t>Noten „teilen“</a:t>
-            </a:r>
-            <a:endParaRPr lang="de-DE" sz="1200" dirty="0">
-              <a:solidFill>
-                <a:schemeClr val="tx1"/>
-              </a:solidFill>
-            </a:endParaRPr>
-          </a:p>
-        </p:txBody>
-      </p:sp>
-      <p:cxnSp>
-        <p:nvCxnSpPr>
-          <p:cNvPr id="11" name="Gerade Verbindung mit Pfeil 10"/>
-          <p:cNvCxnSpPr>
-            <a:stCxn id="2" idx="6"/>
-            <a:endCxn id="5" idx="2"/>
-          </p:cNvCxnSpPr>
-          <p:nvPr/>
-        </p:nvCxnSpPr>
-        <p:spPr>
-          <a:xfrm flipV="1">
-            <a:off x="2392811" y="548680"/>
-            <a:ext cx="955053" cy="1218218"/>
-          </a:xfrm>
-          <a:prstGeom prst="straightConnector1">
-            <a:avLst/>
-          </a:prstGeom>
-          <a:ln w="15875">
-            <a:solidFill>
-              <a:schemeClr val="tx1"/>
-            </a:solidFill>
-            <a:tailEnd type="arrow"/>
-          </a:ln>
-        </p:spPr>
-        <p:style>
-          <a:lnRef idx="1">
-            <a:schemeClr val="accent1"/>
-          </a:lnRef>
-          <a:fillRef idx="0">
-            <a:schemeClr val="accent1"/>
-          </a:fillRef>
-          <a:effectRef idx="0">
-            <a:schemeClr val="accent1"/>
-          </a:effectRef>
-          <a:fontRef idx="minor">
-            <a:schemeClr val="tx1"/>
-          </a:fontRef>
-        </p:style>
-      </p:cxnSp>
-      <p:cxnSp>
-        <p:nvCxnSpPr>
-          <p:cNvPr id="12" name="Gerade Verbindung mit Pfeil 11"/>
-          <p:cNvCxnSpPr>
-            <a:stCxn id="2" idx="6"/>
-            <a:endCxn id="6" idx="2"/>
-          </p:cNvCxnSpPr>
-          <p:nvPr/>
-        </p:nvCxnSpPr>
-        <p:spPr>
-          <a:xfrm flipV="1">
-            <a:off x="2392811" y="1124744"/>
-            <a:ext cx="883045" cy="642154"/>
-          </a:xfrm>
-          <a:prstGeom prst="straightConnector1">
-            <a:avLst/>
-          </a:prstGeom>
-          <a:ln w="15875">
-            <a:solidFill>
-              <a:schemeClr val="tx1"/>
-            </a:solidFill>
-            <a:tailEnd type="arrow"/>
-          </a:ln>
-        </p:spPr>
-        <p:style>
-          <a:lnRef idx="1">
-            <a:schemeClr val="accent1"/>
-          </a:lnRef>
-          <a:fillRef idx="0">
-            <a:schemeClr val="accent1"/>
-          </a:fillRef>
-          <a:effectRef idx="0">
-            <a:schemeClr val="accent1"/>
-          </a:effectRef>
-          <a:fontRef idx="minor">
-            <a:schemeClr val="tx1"/>
-          </a:fontRef>
-        </p:style>
-      </p:cxnSp>
-      <p:cxnSp>
-        <p:nvCxnSpPr>
-          <p:cNvPr id="15" name="Gerade Verbindung mit Pfeil 14"/>
-          <p:cNvCxnSpPr>
-            <a:stCxn id="2" idx="6"/>
-            <a:endCxn id="7" idx="2"/>
-          </p:cNvCxnSpPr>
-          <p:nvPr/>
-        </p:nvCxnSpPr>
-        <p:spPr>
-          <a:xfrm>
-            <a:off x="2392811" y="1766898"/>
-            <a:ext cx="883045" cy="5918"/>
-          </a:xfrm>
-          <a:prstGeom prst="straightConnector1">
-            <a:avLst/>
-          </a:prstGeom>
-          <a:ln w="15875">
-            <a:solidFill>
-              <a:schemeClr val="tx1"/>
-            </a:solidFill>
-            <a:tailEnd type="arrow"/>
-          </a:ln>
-        </p:spPr>
-        <p:style>
-          <a:lnRef idx="1">
-            <a:schemeClr val="accent1"/>
-          </a:lnRef>
-          <a:fillRef idx="0">
-            <a:schemeClr val="accent1"/>
-          </a:fillRef>
-          <a:effectRef idx="0">
-            <a:schemeClr val="accent1"/>
-          </a:effectRef>
-          <a:fontRef idx="minor">
-            <a:schemeClr val="tx1"/>
-          </a:fontRef>
-        </p:style>
-      </p:cxnSp>
-      <p:cxnSp>
-        <p:nvCxnSpPr>
-          <p:cNvPr id="18" name="Gerade Verbindung mit Pfeil 17"/>
-          <p:cNvCxnSpPr>
-            <a:stCxn id="2" idx="6"/>
-            <a:endCxn id="8" idx="2"/>
-          </p:cNvCxnSpPr>
-          <p:nvPr/>
-        </p:nvCxnSpPr>
-        <p:spPr>
-          <a:xfrm>
-            <a:off x="2392811" y="1766898"/>
-            <a:ext cx="883045" cy="720080"/>
-          </a:xfrm>
-          <a:prstGeom prst="straightConnector1">
-            <a:avLst/>
-          </a:prstGeom>
-          <a:ln w="15875">
-            <a:solidFill>
-              <a:schemeClr val="tx1"/>
-            </a:solidFill>
-            <a:tailEnd type="arrow"/>
-          </a:ln>
-        </p:spPr>
-        <p:style>
-          <a:lnRef idx="1">
-            <a:schemeClr val="accent1"/>
-          </a:lnRef>
-          <a:fillRef idx="0">
-            <a:schemeClr val="accent1"/>
-          </a:fillRef>
-          <a:effectRef idx="0">
-            <a:schemeClr val="accent1"/>
-          </a:effectRef>
-          <a:fontRef idx="minor">
-            <a:schemeClr val="tx1"/>
-          </a:fontRef>
-        </p:style>
-      </p:cxnSp>
-      <p:cxnSp>
-        <p:nvCxnSpPr>
-          <p:cNvPr id="21" name="Gerade Verbindung mit Pfeil 20"/>
-          <p:cNvCxnSpPr>
-            <a:stCxn id="2" idx="6"/>
-            <a:endCxn id="9" idx="2"/>
-          </p:cNvCxnSpPr>
-          <p:nvPr/>
-        </p:nvCxnSpPr>
-        <p:spPr>
-          <a:xfrm>
-            <a:off x="2392811" y="1766898"/>
-            <a:ext cx="1027061" cy="1332148"/>
-          </a:xfrm>
-          <a:prstGeom prst="straightConnector1">
-            <a:avLst/>
-          </a:prstGeom>
-          <a:ln w="15875">
-            <a:solidFill>
-              <a:schemeClr val="tx1"/>
-            </a:solidFill>
-            <a:tailEnd type="arrow"/>
-          </a:ln>
-        </p:spPr>
-        <p:style>
-          <a:lnRef idx="1">
-            <a:schemeClr val="accent1"/>
-          </a:lnRef>
-          <a:fillRef idx="0">
-            <a:schemeClr val="accent1"/>
-          </a:fillRef>
-          <a:effectRef idx="0">
-            <a:schemeClr val="accent1"/>
-          </a:effectRef>
-          <a:fontRef idx="minor">
-            <a:schemeClr val="tx1"/>
-          </a:fontRef>
-        </p:style>
-      </p:cxnSp>
-      <p:sp>
-        <p:nvSpPr>
-          <p:cNvPr id="37" name="Rechteck 36"/>
-          <p:cNvSpPr/>
-          <p:nvPr/>
-        </p:nvSpPr>
-        <p:spPr>
-          <a:xfrm>
-            <a:off x="5580112" y="260648"/>
-            <a:ext cx="1224136" cy="3168352"/>
-          </a:xfrm>
-          <a:prstGeom prst="rect">
-            <a:avLst/>
-          </a:prstGeom>
-          <a:noFill/>
-          <a:ln>
-            <a:solidFill>
-              <a:schemeClr val="tx1"/>
-            </a:solidFill>
-          </a:ln>
-        </p:spPr>
-        <p:style>
-          <a:lnRef idx="2">
-            <a:schemeClr val="accent1">
-              <a:shade val="50000"/>
-            </a:schemeClr>
-          </a:lnRef>
-          <a:fillRef idx="1">
-            <a:schemeClr val="accent1"/>
-          </a:fillRef>
-          <a:effectRef idx="0">
-            <a:schemeClr val="accent1"/>
-          </a:effectRef>
-          <a:fontRef idx="minor">
-            <a:schemeClr val="lt1"/>
-          </a:fontRef>
-        </p:style>
-        <p:txBody>
-          <a:bodyPr rtlCol="0" anchor="ctr"/>
-          <a:lstStyle/>
-          <a:p>
-            <a:pPr algn="ctr"/>
-            <a:r>
-              <a:rPr lang="de-DE" sz="1600" dirty="0" smtClean="0">
-                <a:solidFill>
-                  <a:schemeClr val="tx1"/>
-                </a:solidFill>
-              </a:rPr>
-              <a:t>QIS-Server</a:t>
-            </a:r>
-            <a:endParaRPr lang="de-DE" sz="1600" dirty="0">
-              <a:solidFill>
-                <a:schemeClr val="tx1"/>
-              </a:solidFill>
-            </a:endParaRPr>
-          </a:p>
-        </p:txBody>
-      </p:sp>
-      <p:cxnSp>
-        <p:nvCxnSpPr>
-          <p:cNvPr id="70" name="Gerade Verbindung mit Pfeil 69"/>
-          <p:cNvCxnSpPr>
-            <a:stCxn id="4" idx="3"/>
-            <a:endCxn id="37" idx="1"/>
-          </p:cNvCxnSpPr>
-          <p:nvPr/>
-        </p:nvCxnSpPr>
-        <p:spPr>
-          <a:xfrm>
-            <a:off x="5004048" y="1844824"/>
-            <a:ext cx="576064" cy="0"/>
-          </a:xfrm>
-          <a:prstGeom prst="straightConnector1">
-            <a:avLst/>
-          </a:prstGeom>
-          <a:ln w="25400">
-            <a:solidFill>
-              <a:schemeClr val="tx1"/>
-            </a:solidFill>
-            <a:tailEnd type="triangle"/>
-          </a:ln>
-        </p:spPr>
-        <p:style>
-          <a:lnRef idx="1">
-            <a:schemeClr val="accent1"/>
-          </a:lnRef>
-          <a:fillRef idx="0">
-            <a:schemeClr val="accent1"/>
-          </a:fillRef>
-          <a:effectRef idx="0">
-            <a:schemeClr val="accent1"/>
-          </a:effectRef>
-          <a:fontRef idx="minor">
-            <a:schemeClr val="tx1"/>
-          </a:fontRef>
-        </p:style>
-      </p:cxnSp>
+          <a:ln w="9525">
+            <a:noFill/>
+            <a:miter lim="800000"/>
+            <a:headEnd/>
+            <a:tailEnd/>
+          </a:ln>
+        </p:spPr>
+      </p:pic>
     </p:spTree>
   </p:cSld>
   <p:clrMapOvr>

--- a/docs/notenapp.pptx
+++ b/docs/notenapp.pptx
@@ -10519,38 +10519,36 @@
           </a:fontRef>
         </p:style>
       </p:cxnSp>
-      <p:pic>
-        <p:nvPicPr>
-          <p:cNvPr id="1026" name="Picture 2"/>
-          <p:cNvPicPr>
-            <a:picLocks noChangeAspect="1" noChangeArrowheads="1"/>
-          </p:cNvPicPr>
-          <p:nvPr/>
-        </p:nvPicPr>
-        <p:blipFill>
-          <a:blip r:embed="rId2" cstate="print"/>
-          <a:srcRect/>
-          <a:stretch>
-            <a:fillRect/>
-          </a:stretch>
-        </p:blipFill>
-        <p:spPr bwMode="auto">
-          <a:xfrm>
-            <a:off x="5940152" y="188640"/>
-            <a:ext cx="2872216" cy="3188965"/>
+      <p:sp>
+        <p:nvSpPr>
+          <p:cNvPr id="107" name="Textfeld 106"/>
+          <p:cNvSpPr txBox="1"/>
+          <p:nvPr/>
+        </p:nvSpPr>
+        <p:spPr>
+          <a:xfrm>
+            <a:off x="1907704" y="1871246"/>
+            <a:ext cx="702436" cy="261610"/>
           </a:xfrm>
           <a:prstGeom prst="rect">
             <a:avLst/>
           </a:prstGeom>
           <a:noFill/>
-          <a:ln w="9525">
-            <a:noFill/>
-            <a:miter lim="800000"/>
-            <a:headEnd/>
-            <a:tailEnd/>
-          </a:ln>
-        </p:spPr>
-      </p:pic>
+        </p:spPr>
+        <p:txBody>
+          <a:bodyPr wrap="none" rtlCol="0">
+            <a:spAutoFit/>
+          </a:bodyPr>
+          <a:lstStyle/>
+          <a:p>
+            <a:r>
+              <a:rPr lang="de-DE" sz="1100" dirty="0" smtClean="0"/>
+              <a:t>Benutzer</a:t>
+            </a:r>
+            <a:endParaRPr lang="de-DE" sz="1100" dirty="0"/>
+          </a:p>
+        </p:txBody>
+      </p:sp>
     </p:spTree>
   </p:cSld>
   <p:clrMapOvr>

--- a/docs/notenapp.pptx
+++ b/docs/notenapp.pptx
@@ -292,7 +292,7 @@
             <a:fld id="{F0B96F50-2E74-4531-A9D7-82F060543DE4}" type="datetimeFigureOut">
               <a:rPr lang="de-DE" smtClean="0"/>
               <a:pPr/>
-              <a:t>13.01.2013</a:t>
+              <a:t>14.01.2013</a:t>
             </a:fld>
             <a:endParaRPr lang="de-DE"/>
           </a:p>
@@ -459,7 +459,7 @@
             <a:fld id="{F0B96F50-2E74-4531-A9D7-82F060543DE4}" type="datetimeFigureOut">
               <a:rPr lang="de-DE" smtClean="0"/>
               <a:pPr/>
-              <a:t>13.01.2013</a:t>
+              <a:t>14.01.2013</a:t>
             </a:fld>
             <a:endParaRPr lang="de-DE"/>
           </a:p>
@@ -636,7 +636,7 @@
             <a:fld id="{F0B96F50-2E74-4531-A9D7-82F060543DE4}" type="datetimeFigureOut">
               <a:rPr lang="de-DE" smtClean="0"/>
               <a:pPr/>
-              <a:t>13.01.2013</a:t>
+              <a:t>14.01.2013</a:t>
             </a:fld>
             <a:endParaRPr lang="de-DE"/>
           </a:p>
@@ -803,7 +803,7 @@
             <a:fld id="{F0B96F50-2E74-4531-A9D7-82F060543DE4}" type="datetimeFigureOut">
               <a:rPr lang="de-DE" smtClean="0"/>
               <a:pPr/>
-              <a:t>13.01.2013</a:t>
+              <a:t>14.01.2013</a:t>
             </a:fld>
             <a:endParaRPr lang="de-DE"/>
           </a:p>
@@ -1046,7 +1046,7 @@
             <a:fld id="{F0B96F50-2E74-4531-A9D7-82F060543DE4}" type="datetimeFigureOut">
               <a:rPr lang="de-DE" smtClean="0"/>
               <a:pPr/>
-              <a:t>13.01.2013</a:t>
+              <a:t>14.01.2013</a:t>
             </a:fld>
             <a:endParaRPr lang="de-DE"/>
           </a:p>
@@ -1331,7 +1331,7 @@
             <a:fld id="{F0B96F50-2E74-4531-A9D7-82F060543DE4}" type="datetimeFigureOut">
               <a:rPr lang="de-DE" smtClean="0"/>
               <a:pPr/>
-              <a:t>13.01.2013</a:t>
+              <a:t>14.01.2013</a:t>
             </a:fld>
             <a:endParaRPr lang="de-DE"/>
           </a:p>
@@ -1750,7 +1750,7 @@
             <a:fld id="{F0B96F50-2E74-4531-A9D7-82F060543DE4}" type="datetimeFigureOut">
               <a:rPr lang="de-DE" smtClean="0"/>
               <a:pPr/>
-              <a:t>13.01.2013</a:t>
+              <a:t>14.01.2013</a:t>
             </a:fld>
             <a:endParaRPr lang="de-DE"/>
           </a:p>
@@ -1865,7 +1865,7 @@
             <a:fld id="{F0B96F50-2E74-4531-A9D7-82F060543DE4}" type="datetimeFigureOut">
               <a:rPr lang="de-DE" smtClean="0"/>
               <a:pPr/>
-              <a:t>13.01.2013</a:t>
+              <a:t>14.01.2013</a:t>
             </a:fld>
             <a:endParaRPr lang="de-DE"/>
           </a:p>
@@ -1957,7 +1957,7 @@
             <a:fld id="{F0B96F50-2E74-4531-A9D7-82F060543DE4}" type="datetimeFigureOut">
               <a:rPr lang="de-DE" smtClean="0"/>
               <a:pPr/>
-              <a:t>13.01.2013</a:t>
+              <a:t>14.01.2013</a:t>
             </a:fld>
             <a:endParaRPr lang="de-DE"/>
           </a:p>
@@ -2231,7 +2231,7 @@
             <a:fld id="{F0B96F50-2E74-4531-A9D7-82F060543DE4}" type="datetimeFigureOut">
               <a:rPr lang="de-DE" smtClean="0"/>
               <a:pPr/>
-              <a:t>13.01.2013</a:t>
+              <a:t>14.01.2013</a:t>
             </a:fld>
             <a:endParaRPr lang="de-DE"/>
           </a:p>
@@ -2481,7 +2481,7 @@
             <a:fld id="{F0B96F50-2E74-4531-A9D7-82F060543DE4}" type="datetimeFigureOut">
               <a:rPr lang="de-DE" smtClean="0"/>
               <a:pPr/>
-              <a:t>13.01.2013</a:t>
+              <a:t>14.01.2013</a:t>
             </a:fld>
             <a:endParaRPr lang="de-DE"/>
           </a:p>
@@ -2691,7 +2691,7 @@
             <a:fld id="{F0B96F50-2E74-4531-A9D7-82F060543DE4}" type="datetimeFigureOut">
               <a:rPr lang="de-DE" smtClean="0"/>
               <a:pPr/>
-              <a:t>13.01.2013</a:t>
+              <a:t>14.01.2013</a:t>
             </a:fld>
             <a:endParaRPr lang="de-DE"/>
           </a:p>
